--- a/lab/IS6404 -T7/ Đồ án cuối kỳ/Thuyết trình .pptx
+++ b/lab/IS6404 -T7/ Đồ án cuối kỳ/Thuyết trình .pptx
@@ -1,15 +1,15 @@
 
 <file path=ppt/presentation.xml><?xml version="1.0" encoding="utf-8"?>
-<p:presentation xmlns:a="http://schemas.openxmlformats.org/drawingml/2006/main" xmlns:r="http://schemas.openxmlformats.org/officeDocument/2006/relationships" xmlns:p="http://schemas.openxmlformats.org/presentationml/2006/main" saveSubsetFonts="1" autoCompressPictures="0">
+<p:presentation xmlns:a="http://schemas.openxmlformats.org/drawingml/2006/main" xmlns:r="http://schemas.openxmlformats.org/officeDocument/2006/relationships" xmlns:p="http://schemas.openxmlformats.org/presentationml/2006/main" autoCompressPictures="0">
   <p:sldMasterIdLst>
-    <p:sldMasterId id="2147483774" r:id="rId1"/>
+    <p:sldMasterId id="2147483648" r:id="rId1"/>
   </p:sldMasterIdLst>
   <p:sldIdLst>
-    <p:sldId id="256" r:id="rId2"/>
-    <p:sldId id="257" r:id="rId3"/>
-    <p:sldId id="258" r:id="rId4"/>
-    <p:sldId id="259" r:id="rId5"/>
-    <p:sldId id="260" r:id="rId6"/>
+    <p:sldId id="256" r:id="rId3"/>
+    <p:sldId id="257" r:id="rId4"/>
+    <p:sldId id="258" r:id="rId5"/>
+    <p:sldId id="259" r:id="rId6"/>
+    <p:sldId id="260" r:id="rId7"/>
   </p:sldIdLst>
   <p:sldSz cx="12192000" cy="6858000"/>
   <p:notesSz cx="6858000" cy="9144000"/>
@@ -241,10 +241,9 @@
           <a:lstStyle/>
           <a:p>
             <a:fld id="{85D34FDA-DEB3-7D44-9833-ADD42B7E7AC2}" type="datetimeFigureOut">
-              <a:rPr lang="en-VN" smtClean="0"/>
-              <a:t>09/06/2024</a:t>
+              <a:rPr lang="en-US" smtClean="0"/>
             </a:fld>
-            <a:endParaRPr lang="en-VN"/>
+            <a:endParaRPr lang="en-US"/>
           </a:p>
         </p:txBody>
       </p:sp>
@@ -263,7 +262,7 @@
           <a:bodyPr/>
           <a:lstStyle/>
           <a:p>
-            <a:endParaRPr lang="en-VN"/>
+            <a:endParaRPr lang="en-US"/>
           </a:p>
         </p:txBody>
       </p:sp>
@@ -283,19 +282,13 @@
           <a:lstStyle/>
           <a:p>
             <a:fld id="{2E340A71-7569-1249-8D59-B0C8FF258090}" type="slidenum">
-              <a:rPr lang="en-VN" smtClean="0"/>
-              <a:t>‹#›</a:t>
+              <a:rPr lang="en-US" smtClean="0"/>
             </a:fld>
-            <a:endParaRPr lang="en-VN"/>
+            <a:endParaRPr lang="en-US"/>
           </a:p>
         </p:txBody>
       </p:sp>
     </p:spTree>
-    <p:extLst>
-      <p:ext uri="{BB962C8B-B14F-4D97-AF65-F5344CB8AC3E}">
-        <p14:creationId xmlns:p14="http://schemas.microsoft.com/office/powerpoint/2010/main" val="2825560571"/>
-      </p:ext>
-    </p:extLst>
   </p:cSld>
   <p:clrMapOvr>
     <a:masterClrMapping/>
@@ -363,6 +356,7 @@
               <a:rPr lang="en-US"/>
               <a:t>Click to edit Master text styles</a:t>
             </a:r>
+            <a:endParaRPr lang="en-US"/>
           </a:p>
           <a:p>
             <a:pPr lvl="1"/>
@@ -370,6 +364,7 @@
               <a:rPr lang="en-US"/>
               <a:t>Second level</a:t>
             </a:r>
+            <a:endParaRPr lang="en-US"/>
           </a:p>
           <a:p>
             <a:pPr lvl="2"/>
@@ -377,6 +372,7 @@
               <a:rPr lang="en-US"/>
               <a:t>Third level</a:t>
             </a:r>
+            <a:endParaRPr lang="en-US"/>
           </a:p>
           <a:p>
             <a:pPr lvl="3"/>
@@ -384,6 +380,7 @@
               <a:rPr lang="en-US"/>
               <a:t>Fourth level</a:t>
             </a:r>
+            <a:endParaRPr lang="en-US"/>
           </a:p>
           <a:p>
             <a:pPr lvl="4"/>
@@ -411,10 +408,9 @@
           <a:lstStyle/>
           <a:p>
             <a:fld id="{85D34FDA-DEB3-7D44-9833-ADD42B7E7AC2}" type="datetimeFigureOut">
-              <a:rPr lang="en-VN" smtClean="0"/>
-              <a:t>09/06/2024</a:t>
+              <a:rPr lang="en-US" smtClean="0"/>
             </a:fld>
-            <a:endParaRPr lang="en-VN"/>
+            <a:endParaRPr lang="en-US"/>
           </a:p>
         </p:txBody>
       </p:sp>
@@ -433,7 +429,7 @@
           <a:bodyPr/>
           <a:lstStyle/>
           <a:p>
-            <a:endParaRPr lang="en-VN"/>
+            <a:endParaRPr lang="en-US"/>
           </a:p>
         </p:txBody>
       </p:sp>
@@ -453,19 +449,13 @@
           <a:lstStyle/>
           <a:p>
             <a:fld id="{2E340A71-7569-1249-8D59-B0C8FF258090}" type="slidenum">
-              <a:rPr lang="en-VN" smtClean="0"/>
-              <a:t>‹#›</a:t>
+              <a:rPr lang="en-US" smtClean="0"/>
             </a:fld>
-            <a:endParaRPr lang="en-VN"/>
+            <a:endParaRPr lang="en-US"/>
           </a:p>
         </p:txBody>
       </p:sp>
     </p:spTree>
-    <p:extLst>
-      <p:ext uri="{BB962C8B-B14F-4D97-AF65-F5344CB8AC3E}">
-        <p14:creationId xmlns:p14="http://schemas.microsoft.com/office/powerpoint/2010/main" val="1035955290"/>
-      </p:ext>
-    </p:extLst>
   </p:cSld>
   <p:clrMapOvr>
     <a:masterClrMapping/>
@@ -543,6 +533,7 @@
               <a:rPr lang="en-US"/>
               <a:t>Click to edit Master text styles</a:t>
             </a:r>
+            <a:endParaRPr lang="en-US"/>
           </a:p>
           <a:p>
             <a:pPr lvl="1"/>
@@ -550,6 +541,7 @@
               <a:rPr lang="en-US"/>
               <a:t>Second level</a:t>
             </a:r>
+            <a:endParaRPr lang="en-US"/>
           </a:p>
           <a:p>
             <a:pPr lvl="2"/>
@@ -557,6 +549,7 @@
               <a:rPr lang="en-US"/>
               <a:t>Third level</a:t>
             </a:r>
+            <a:endParaRPr lang="en-US"/>
           </a:p>
           <a:p>
             <a:pPr lvl="3"/>
@@ -564,6 +557,7 @@
               <a:rPr lang="en-US"/>
               <a:t>Fourth level</a:t>
             </a:r>
+            <a:endParaRPr lang="en-US"/>
           </a:p>
           <a:p>
             <a:pPr lvl="4"/>
@@ -591,10 +585,9 @@
           <a:lstStyle/>
           <a:p>
             <a:fld id="{85D34FDA-DEB3-7D44-9833-ADD42B7E7AC2}" type="datetimeFigureOut">
-              <a:rPr lang="en-VN" smtClean="0"/>
-              <a:t>09/06/2024</a:t>
+              <a:rPr lang="en-US" smtClean="0"/>
             </a:fld>
-            <a:endParaRPr lang="en-VN"/>
+            <a:endParaRPr lang="en-US"/>
           </a:p>
         </p:txBody>
       </p:sp>
@@ -613,7 +606,7 @@
           <a:bodyPr/>
           <a:lstStyle/>
           <a:p>
-            <a:endParaRPr lang="en-VN"/>
+            <a:endParaRPr lang="en-US"/>
           </a:p>
         </p:txBody>
       </p:sp>
@@ -633,19 +626,13 @@
           <a:lstStyle/>
           <a:p>
             <a:fld id="{2E340A71-7569-1249-8D59-B0C8FF258090}" type="slidenum">
-              <a:rPr lang="en-VN" smtClean="0"/>
-              <a:t>‹#›</a:t>
+              <a:rPr lang="en-US" smtClean="0"/>
             </a:fld>
-            <a:endParaRPr lang="en-VN"/>
+            <a:endParaRPr lang="en-US"/>
           </a:p>
         </p:txBody>
       </p:sp>
     </p:spTree>
-    <p:extLst>
-      <p:ext uri="{BB962C8B-B14F-4D97-AF65-F5344CB8AC3E}">
-        <p14:creationId xmlns:p14="http://schemas.microsoft.com/office/powerpoint/2010/main" val="2249820737"/>
-      </p:ext>
-    </p:extLst>
   </p:cSld>
   <p:clrMapOvr>
     <a:masterClrMapping/>
@@ -713,6 +700,7 @@
               <a:rPr lang="en-US"/>
               <a:t>Click to edit Master text styles</a:t>
             </a:r>
+            <a:endParaRPr lang="en-US"/>
           </a:p>
           <a:p>
             <a:pPr lvl="1"/>
@@ -720,6 +708,7 @@
               <a:rPr lang="en-US"/>
               <a:t>Second level</a:t>
             </a:r>
+            <a:endParaRPr lang="en-US"/>
           </a:p>
           <a:p>
             <a:pPr lvl="2"/>
@@ -727,6 +716,7 @@
               <a:rPr lang="en-US"/>
               <a:t>Third level</a:t>
             </a:r>
+            <a:endParaRPr lang="en-US"/>
           </a:p>
           <a:p>
             <a:pPr lvl="3"/>
@@ -734,6 +724,7 @@
               <a:rPr lang="en-US"/>
               <a:t>Fourth level</a:t>
             </a:r>
+            <a:endParaRPr lang="en-US"/>
           </a:p>
           <a:p>
             <a:pPr lvl="4"/>
@@ -761,10 +752,9 @@
           <a:lstStyle/>
           <a:p>
             <a:fld id="{85D34FDA-DEB3-7D44-9833-ADD42B7E7AC2}" type="datetimeFigureOut">
-              <a:rPr lang="en-VN" smtClean="0"/>
-              <a:t>09/06/2024</a:t>
+              <a:rPr lang="en-US" smtClean="0"/>
             </a:fld>
-            <a:endParaRPr lang="en-VN"/>
+            <a:endParaRPr lang="en-US"/>
           </a:p>
         </p:txBody>
       </p:sp>
@@ -783,7 +773,7 @@
           <a:bodyPr/>
           <a:lstStyle/>
           <a:p>
-            <a:endParaRPr lang="en-VN"/>
+            <a:endParaRPr lang="en-US"/>
           </a:p>
         </p:txBody>
       </p:sp>
@@ -803,19 +793,13 @@
           <a:lstStyle/>
           <a:p>
             <a:fld id="{2E340A71-7569-1249-8D59-B0C8FF258090}" type="slidenum">
-              <a:rPr lang="en-VN" smtClean="0"/>
-              <a:t>‹#›</a:t>
+              <a:rPr lang="en-US" smtClean="0"/>
             </a:fld>
-            <a:endParaRPr lang="en-VN"/>
+            <a:endParaRPr lang="en-US"/>
           </a:p>
         </p:txBody>
       </p:sp>
     </p:spTree>
-    <p:extLst>
-      <p:ext uri="{BB962C8B-B14F-4D97-AF65-F5344CB8AC3E}">
-        <p14:creationId xmlns:p14="http://schemas.microsoft.com/office/powerpoint/2010/main" val="1232501904"/>
-      </p:ext>
-    </p:extLst>
   </p:cSld>
   <p:clrMapOvr>
     <a:masterClrMapping/>
@@ -988,6 +972,7 @@
               <a:rPr lang="en-US"/>
               <a:t>Click to edit Master text styles</a:t>
             </a:r>
+            <a:endParaRPr lang="en-US"/>
           </a:p>
         </p:txBody>
       </p:sp>
@@ -1007,10 +992,9 @@
           <a:lstStyle/>
           <a:p>
             <a:fld id="{85D34FDA-DEB3-7D44-9833-ADD42B7E7AC2}" type="datetimeFigureOut">
-              <a:rPr lang="en-VN" smtClean="0"/>
-              <a:t>09/06/2024</a:t>
+              <a:rPr lang="en-US" smtClean="0"/>
             </a:fld>
-            <a:endParaRPr lang="en-VN"/>
+            <a:endParaRPr lang="en-US"/>
           </a:p>
         </p:txBody>
       </p:sp>
@@ -1029,7 +1013,7 @@
           <a:bodyPr/>
           <a:lstStyle/>
           <a:p>
-            <a:endParaRPr lang="en-VN"/>
+            <a:endParaRPr lang="en-US"/>
           </a:p>
         </p:txBody>
       </p:sp>
@@ -1049,19 +1033,13 @@
           <a:lstStyle/>
           <a:p>
             <a:fld id="{2E340A71-7569-1249-8D59-B0C8FF258090}" type="slidenum">
-              <a:rPr lang="en-VN" smtClean="0"/>
-              <a:t>‹#›</a:t>
+              <a:rPr lang="en-US" smtClean="0"/>
             </a:fld>
-            <a:endParaRPr lang="en-VN"/>
+            <a:endParaRPr lang="en-US"/>
           </a:p>
         </p:txBody>
       </p:sp>
     </p:spTree>
-    <p:extLst>
-      <p:ext uri="{BB962C8B-B14F-4D97-AF65-F5344CB8AC3E}">
-        <p14:creationId xmlns:p14="http://schemas.microsoft.com/office/powerpoint/2010/main" val="3782597861"/>
-      </p:ext>
-    </p:extLst>
   </p:cSld>
   <p:clrMapOvr>
     <a:masterClrMapping/>
@@ -1134,6 +1112,7 @@
               <a:rPr lang="en-US"/>
               <a:t>Click to edit Master text styles</a:t>
             </a:r>
+            <a:endParaRPr lang="en-US"/>
           </a:p>
           <a:p>
             <a:pPr lvl="1"/>
@@ -1141,6 +1120,7 @@
               <a:rPr lang="en-US"/>
               <a:t>Second level</a:t>
             </a:r>
+            <a:endParaRPr lang="en-US"/>
           </a:p>
           <a:p>
             <a:pPr lvl="2"/>
@@ -1148,6 +1128,7 @@
               <a:rPr lang="en-US"/>
               <a:t>Third level</a:t>
             </a:r>
+            <a:endParaRPr lang="en-US"/>
           </a:p>
           <a:p>
             <a:pPr lvl="3"/>
@@ -1155,6 +1136,7 @@
               <a:rPr lang="en-US"/>
               <a:t>Fourth level</a:t>
             </a:r>
+            <a:endParaRPr lang="en-US"/>
           </a:p>
           <a:p>
             <a:pPr lvl="4"/>
@@ -1191,6 +1173,7 @@
               <a:rPr lang="en-US"/>
               <a:t>Click to edit Master text styles</a:t>
             </a:r>
+            <a:endParaRPr lang="en-US"/>
           </a:p>
           <a:p>
             <a:pPr lvl="1"/>
@@ -1198,6 +1181,7 @@
               <a:rPr lang="en-US"/>
               <a:t>Second level</a:t>
             </a:r>
+            <a:endParaRPr lang="en-US"/>
           </a:p>
           <a:p>
             <a:pPr lvl="2"/>
@@ -1205,6 +1189,7 @@
               <a:rPr lang="en-US"/>
               <a:t>Third level</a:t>
             </a:r>
+            <a:endParaRPr lang="en-US"/>
           </a:p>
           <a:p>
             <a:pPr lvl="3"/>
@@ -1212,6 +1197,7 @@
               <a:rPr lang="en-US"/>
               <a:t>Fourth level</a:t>
             </a:r>
+            <a:endParaRPr lang="en-US"/>
           </a:p>
           <a:p>
             <a:pPr lvl="4"/>
@@ -1239,10 +1225,9 @@
           <a:lstStyle/>
           <a:p>
             <a:fld id="{85D34FDA-DEB3-7D44-9833-ADD42B7E7AC2}" type="datetimeFigureOut">
-              <a:rPr lang="en-VN" smtClean="0"/>
-              <a:t>09/06/2024</a:t>
+              <a:rPr lang="en-US" smtClean="0"/>
             </a:fld>
-            <a:endParaRPr lang="en-VN"/>
+            <a:endParaRPr lang="en-US"/>
           </a:p>
         </p:txBody>
       </p:sp>
@@ -1261,7 +1246,7 @@
           <a:bodyPr/>
           <a:lstStyle/>
           <a:p>
-            <a:endParaRPr lang="en-VN"/>
+            <a:endParaRPr lang="en-US"/>
           </a:p>
         </p:txBody>
       </p:sp>
@@ -1281,19 +1266,13 @@
           <a:lstStyle/>
           <a:p>
             <a:fld id="{2E340A71-7569-1249-8D59-B0C8FF258090}" type="slidenum">
-              <a:rPr lang="en-VN" smtClean="0"/>
-              <a:t>‹#›</a:t>
+              <a:rPr lang="en-US" smtClean="0"/>
             </a:fld>
-            <a:endParaRPr lang="en-VN"/>
+            <a:endParaRPr lang="en-US"/>
           </a:p>
         </p:txBody>
       </p:sp>
     </p:spTree>
-    <p:extLst>
-      <p:ext uri="{BB962C8B-B14F-4D97-AF65-F5344CB8AC3E}">
-        <p14:creationId xmlns:p14="http://schemas.microsoft.com/office/powerpoint/2010/main" val="1848676662"/>
-      </p:ext>
-    </p:extLst>
   </p:cSld>
   <p:clrMapOvr>
     <a:masterClrMapping/>
@@ -1408,6 +1387,7 @@
               <a:rPr lang="en-US"/>
               <a:t>Click to edit Master text styles</a:t>
             </a:r>
+            <a:endParaRPr lang="en-US"/>
           </a:p>
         </p:txBody>
       </p:sp>
@@ -1436,6 +1416,7 @@
               <a:rPr lang="en-US"/>
               <a:t>Click to edit Master text styles</a:t>
             </a:r>
+            <a:endParaRPr lang="en-US"/>
           </a:p>
           <a:p>
             <a:pPr lvl="1"/>
@@ -1443,6 +1424,7 @@
               <a:rPr lang="en-US"/>
               <a:t>Second level</a:t>
             </a:r>
+            <a:endParaRPr lang="en-US"/>
           </a:p>
           <a:p>
             <a:pPr lvl="2"/>
@@ -1450,6 +1432,7 @@
               <a:rPr lang="en-US"/>
               <a:t>Third level</a:t>
             </a:r>
+            <a:endParaRPr lang="en-US"/>
           </a:p>
           <a:p>
             <a:pPr lvl="3"/>
@@ -1457,6 +1440,7 @@
               <a:rPr lang="en-US"/>
               <a:t>Fourth level</a:t>
             </a:r>
+            <a:endParaRPr lang="en-US"/>
           </a:p>
           <a:p>
             <a:pPr lvl="4"/>
@@ -1530,6 +1514,7 @@
               <a:rPr lang="en-US"/>
               <a:t>Click to edit Master text styles</a:t>
             </a:r>
+            <a:endParaRPr lang="en-US"/>
           </a:p>
         </p:txBody>
       </p:sp>
@@ -1558,6 +1543,7 @@
               <a:rPr lang="en-US"/>
               <a:t>Click to edit Master text styles</a:t>
             </a:r>
+            <a:endParaRPr lang="en-US"/>
           </a:p>
           <a:p>
             <a:pPr lvl="1"/>
@@ -1565,6 +1551,7 @@
               <a:rPr lang="en-US"/>
               <a:t>Second level</a:t>
             </a:r>
+            <a:endParaRPr lang="en-US"/>
           </a:p>
           <a:p>
             <a:pPr lvl="2"/>
@@ -1572,6 +1559,7 @@
               <a:rPr lang="en-US"/>
               <a:t>Third level</a:t>
             </a:r>
+            <a:endParaRPr lang="en-US"/>
           </a:p>
           <a:p>
             <a:pPr lvl="3"/>
@@ -1579,6 +1567,7 @@
               <a:rPr lang="en-US"/>
               <a:t>Fourth level</a:t>
             </a:r>
+            <a:endParaRPr lang="en-US"/>
           </a:p>
           <a:p>
             <a:pPr lvl="4"/>
@@ -1606,10 +1595,9 @@
           <a:lstStyle/>
           <a:p>
             <a:fld id="{85D34FDA-DEB3-7D44-9833-ADD42B7E7AC2}" type="datetimeFigureOut">
-              <a:rPr lang="en-VN" smtClean="0"/>
-              <a:t>09/06/2024</a:t>
+              <a:rPr lang="en-US" smtClean="0"/>
             </a:fld>
-            <a:endParaRPr lang="en-VN"/>
+            <a:endParaRPr lang="en-US"/>
           </a:p>
         </p:txBody>
       </p:sp>
@@ -1628,7 +1616,7 @@
           <a:bodyPr/>
           <a:lstStyle/>
           <a:p>
-            <a:endParaRPr lang="en-VN"/>
+            <a:endParaRPr lang="en-US"/>
           </a:p>
         </p:txBody>
       </p:sp>
@@ -1648,19 +1636,13 @@
           <a:lstStyle/>
           <a:p>
             <a:fld id="{2E340A71-7569-1249-8D59-B0C8FF258090}" type="slidenum">
-              <a:rPr lang="en-VN" smtClean="0"/>
-              <a:t>‹#›</a:t>
+              <a:rPr lang="en-US" smtClean="0"/>
             </a:fld>
-            <a:endParaRPr lang="en-VN"/>
+            <a:endParaRPr lang="en-US"/>
           </a:p>
         </p:txBody>
       </p:sp>
     </p:spTree>
-    <p:extLst>
-      <p:ext uri="{BB962C8B-B14F-4D97-AF65-F5344CB8AC3E}">
-        <p14:creationId xmlns:p14="http://schemas.microsoft.com/office/powerpoint/2010/main" val="859562421"/>
-      </p:ext>
-    </p:extLst>
   </p:cSld>
   <p:clrMapOvr>
     <a:masterClrMapping/>
@@ -1724,10 +1706,9 @@
           <a:lstStyle/>
           <a:p>
             <a:fld id="{85D34FDA-DEB3-7D44-9833-ADD42B7E7AC2}" type="datetimeFigureOut">
-              <a:rPr lang="en-VN" smtClean="0"/>
-              <a:t>09/06/2024</a:t>
+              <a:rPr lang="en-US" smtClean="0"/>
             </a:fld>
-            <a:endParaRPr lang="en-VN"/>
+            <a:endParaRPr lang="en-US"/>
           </a:p>
         </p:txBody>
       </p:sp>
@@ -1746,7 +1727,7 @@
           <a:bodyPr/>
           <a:lstStyle/>
           <a:p>
-            <a:endParaRPr lang="en-VN"/>
+            <a:endParaRPr lang="en-US"/>
           </a:p>
         </p:txBody>
       </p:sp>
@@ -1766,19 +1747,13 @@
           <a:lstStyle/>
           <a:p>
             <a:fld id="{2E340A71-7569-1249-8D59-B0C8FF258090}" type="slidenum">
-              <a:rPr lang="en-VN" smtClean="0"/>
-              <a:t>‹#›</a:t>
+              <a:rPr lang="en-US" smtClean="0"/>
             </a:fld>
-            <a:endParaRPr lang="en-VN"/>
+            <a:endParaRPr lang="en-US"/>
           </a:p>
         </p:txBody>
       </p:sp>
     </p:spTree>
-    <p:extLst>
-      <p:ext uri="{BB962C8B-B14F-4D97-AF65-F5344CB8AC3E}">
-        <p14:creationId xmlns:p14="http://schemas.microsoft.com/office/powerpoint/2010/main" val="2256069051"/>
-      </p:ext>
-    </p:extLst>
   </p:cSld>
   <p:clrMapOvr>
     <a:masterClrMapping/>
@@ -1819,10 +1794,9 @@
           <a:lstStyle/>
           <a:p>
             <a:fld id="{85D34FDA-DEB3-7D44-9833-ADD42B7E7AC2}" type="datetimeFigureOut">
-              <a:rPr lang="en-VN" smtClean="0"/>
-              <a:t>09/06/2024</a:t>
+              <a:rPr lang="en-US" smtClean="0"/>
             </a:fld>
-            <a:endParaRPr lang="en-VN"/>
+            <a:endParaRPr lang="en-US"/>
           </a:p>
         </p:txBody>
       </p:sp>
@@ -1841,7 +1815,7 @@
           <a:bodyPr/>
           <a:lstStyle/>
           <a:p>
-            <a:endParaRPr lang="en-VN"/>
+            <a:endParaRPr lang="en-US"/>
           </a:p>
         </p:txBody>
       </p:sp>
@@ -1861,19 +1835,13 @@
           <a:lstStyle/>
           <a:p>
             <a:fld id="{2E340A71-7569-1249-8D59-B0C8FF258090}" type="slidenum">
-              <a:rPr lang="en-VN" smtClean="0"/>
-              <a:t>‹#›</a:t>
+              <a:rPr lang="en-US" smtClean="0"/>
             </a:fld>
-            <a:endParaRPr lang="en-VN"/>
+            <a:endParaRPr lang="en-US"/>
           </a:p>
         </p:txBody>
       </p:sp>
     </p:spTree>
-    <p:extLst>
-      <p:ext uri="{BB962C8B-B14F-4D97-AF65-F5344CB8AC3E}">
-        <p14:creationId xmlns:p14="http://schemas.microsoft.com/office/powerpoint/2010/main" val="3093140257"/>
-      </p:ext>
-    </p:extLst>
   </p:cSld>
   <p:clrMapOvr>
     <a:masterClrMapping/>
@@ -1983,6 +1951,7 @@
               <a:rPr lang="en-US"/>
               <a:t>Click to edit Master text styles</a:t>
             </a:r>
+            <a:endParaRPr lang="en-US"/>
           </a:p>
           <a:p>
             <a:pPr lvl="1"/>
@@ -1990,6 +1959,7 @@
               <a:rPr lang="en-US"/>
               <a:t>Second level</a:t>
             </a:r>
+            <a:endParaRPr lang="en-US"/>
           </a:p>
           <a:p>
             <a:pPr lvl="2"/>
@@ -1997,6 +1967,7 @@
               <a:rPr lang="en-US"/>
               <a:t>Third level</a:t>
             </a:r>
+            <a:endParaRPr lang="en-US"/>
           </a:p>
           <a:p>
             <a:pPr lvl="3"/>
@@ -2004,6 +1975,7 @@
               <a:rPr lang="en-US"/>
               <a:t>Fourth level</a:t>
             </a:r>
+            <a:endParaRPr lang="en-US"/>
           </a:p>
           <a:p>
             <a:pPr lvl="4"/>
@@ -2077,6 +2049,7 @@
               <a:rPr lang="en-US"/>
               <a:t>Click to edit Master text styles</a:t>
             </a:r>
+            <a:endParaRPr lang="en-US"/>
           </a:p>
         </p:txBody>
       </p:sp>
@@ -2096,10 +2069,9 @@
           <a:lstStyle/>
           <a:p>
             <a:fld id="{85D34FDA-DEB3-7D44-9833-ADD42B7E7AC2}" type="datetimeFigureOut">
-              <a:rPr lang="en-VN" smtClean="0"/>
-              <a:t>09/06/2024</a:t>
+              <a:rPr lang="en-US" smtClean="0"/>
             </a:fld>
-            <a:endParaRPr lang="en-VN"/>
+            <a:endParaRPr lang="en-US"/>
           </a:p>
         </p:txBody>
       </p:sp>
@@ -2118,7 +2090,7 @@
           <a:bodyPr/>
           <a:lstStyle/>
           <a:p>
-            <a:endParaRPr lang="en-VN"/>
+            <a:endParaRPr lang="en-US"/>
           </a:p>
         </p:txBody>
       </p:sp>
@@ -2138,19 +2110,13 @@
           <a:lstStyle/>
           <a:p>
             <a:fld id="{2E340A71-7569-1249-8D59-B0C8FF258090}" type="slidenum">
-              <a:rPr lang="en-VN" smtClean="0"/>
-              <a:t>‹#›</a:t>
+              <a:rPr lang="en-US" smtClean="0"/>
             </a:fld>
-            <a:endParaRPr lang="en-VN"/>
+            <a:endParaRPr lang="en-US"/>
           </a:p>
         </p:txBody>
       </p:sp>
     </p:spTree>
-    <p:extLst>
-      <p:ext uri="{BB962C8B-B14F-4D97-AF65-F5344CB8AC3E}">
-        <p14:creationId xmlns:p14="http://schemas.microsoft.com/office/powerpoint/2010/main" val="3060850239"/>
-      </p:ext>
-    </p:extLst>
   </p:cSld>
   <p:clrMapOvr>
     <a:masterClrMapping/>
@@ -2334,6 +2300,7 @@
               <a:rPr lang="en-US"/>
               <a:t>Click to edit Master text styles</a:t>
             </a:r>
+            <a:endParaRPr lang="en-US"/>
           </a:p>
         </p:txBody>
       </p:sp>
@@ -2353,10 +2320,9 @@
           <a:lstStyle/>
           <a:p>
             <a:fld id="{85D34FDA-DEB3-7D44-9833-ADD42B7E7AC2}" type="datetimeFigureOut">
-              <a:rPr lang="en-VN" smtClean="0"/>
-              <a:t>09/06/2024</a:t>
+              <a:rPr lang="en-US" smtClean="0"/>
             </a:fld>
-            <a:endParaRPr lang="en-VN"/>
+            <a:endParaRPr lang="en-US"/>
           </a:p>
         </p:txBody>
       </p:sp>
@@ -2395,19 +2361,13 @@
           <a:lstStyle/>
           <a:p>
             <a:fld id="{2E340A71-7569-1249-8D59-B0C8FF258090}" type="slidenum">
-              <a:rPr lang="en-VN" smtClean="0"/>
-              <a:t>‹#›</a:t>
+              <a:rPr lang="en-US" smtClean="0"/>
             </a:fld>
-            <a:endParaRPr lang="en-VN"/>
+            <a:endParaRPr lang="en-US"/>
           </a:p>
         </p:txBody>
       </p:sp>
     </p:spTree>
-    <p:extLst>
-      <p:ext uri="{BB962C8B-B14F-4D97-AF65-F5344CB8AC3E}">
-        <p14:creationId xmlns:p14="http://schemas.microsoft.com/office/powerpoint/2010/main" val="3958768751"/>
-      </p:ext>
-    </p:extLst>
   </p:cSld>
   <p:clrMapOvr>
     <a:masterClrMapping/>
@@ -2500,6 +2460,7 @@
               <a:rPr lang="en-US"/>
               <a:t>Click to edit Master text styles</a:t>
             </a:r>
+            <a:endParaRPr lang="en-US"/>
           </a:p>
           <a:p>
             <a:pPr lvl="1"/>
@@ -2507,6 +2468,7 @@
               <a:rPr lang="en-US"/>
               <a:t>Second level</a:t>
             </a:r>
+            <a:endParaRPr lang="en-US"/>
           </a:p>
           <a:p>
             <a:pPr lvl="2"/>
@@ -2514,6 +2476,7 @@
               <a:rPr lang="en-US"/>
               <a:t>Third level</a:t>
             </a:r>
+            <a:endParaRPr lang="en-US"/>
           </a:p>
           <a:p>
             <a:pPr lvl="3"/>
@@ -2521,6 +2484,7 @@
               <a:rPr lang="en-US"/>
               <a:t>Fourth level</a:t>
             </a:r>
+            <a:endParaRPr lang="en-US"/>
           </a:p>
           <a:p>
             <a:pPr lvl="4"/>
@@ -2566,10 +2530,9 @@
           </a:lstStyle>
           <a:p>
             <a:fld id="{85D34FDA-DEB3-7D44-9833-ADD42B7E7AC2}" type="datetimeFigureOut">
-              <a:rPr lang="en-VN" smtClean="0"/>
-              <a:t>09/06/2024</a:t>
+              <a:rPr lang="en-US" smtClean="0"/>
             </a:fld>
-            <a:endParaRPr lang="en-VN"/>
+            <a:endParaRPr lang="en-US"/>
           </a:p>
         </p:txBody>
       </p:sp>
@@ -2606,7 +2569,7 @@
             </a:lvl1pPr>
           </a:lstStyle>
           <a:p>
-            <a:endParaRPr lang="en-VN"/>
+            <a:endParaRPr lang="en-US"/>
           </a:p>
         </p:txBody>
       </p:sp>
@@ -2644,33 +2607,27 @@
           </a:lstStyle>
           <a:p>
             <a:fld id="{2E340A71-7569-1249-8D59-B0C8FF258090}" type="slidenum">
-              <a:rPr lang="en-VN" smtClean="0"/>
-              <a:t>‹#›</a:t>
+              <a:rPr lang="en-US" smtClean="0"/>
             </a:fld>
-            <a:endParaRPr lang="en-VN"/>
+            <a:endParaRPr lang="en-US"/>
           </a:p>
         </p:txBody>
       </p:sp>
     </p:spTree>
-    <p:extLst>
-      <p:ext uri="{BB962C8B-B14F-4D97-AF65-F5344CB8AC3E}">
-        <p14:creationId xmlns:p14="http://schemas.microsoft.com/office/powerpoint/2010/main" val="649348273"/>
-      </p:ext>
-    </p:extLst>
   </p:cSld>
   <p:clrMap bg1="lt1" tx1="dk1" bg2="lt2" tx2="dk2" accent1="accent1" accent2="accent2" accent3="accent3" accent4="accent4" accent5="accent5" accent6="accent6" hlink="hlink" folHlink="folHlink"/>
   <p:sldLayoutIdLst>
-    <p:sldLayoutId id="2147483775" r:id="rId1"/>
-    <p:sldLayoutId id="2147483776" r:id="rId2"/>
-    <p:sldLayoutId id="2147483777" r:id="rId3"/>
-    <p:sldLayoutId id="2147483778" r:id="rId4"/>
-    <p:sldLayoutId id="2147483779" r:id="rId5"/>
-    <p:sldLayoutId id="2147483780" r:id="rId6"/>
-    <p:sldLayoutId id="2147483781" r:id="rId7"/>
-    <p:sldLayoutId id="2147483782" r:id="rId8"/>
-    <p:sldLayoutId id="2147483783" r:id="rId9"/>
-    <p:sldLayoutId id="2147483784" r:id="rId10"/>
-    <p:sldLayoutId id="2147483785" r:id="rId11"/>
+    <p:sldLayoutId id="2147483649" r:id="rId1"/>
+    <p:sldLayoutId id="2147483650" r:id="rId2"/>
+    <p:sldLayoutId id="2147483651" r:id="rId3"/>
+    <p:sldLayoutId id="2147483652" r:id="rId4"/>
+    <p:sldLayoutId id="2147483653" r:id="rId5"/>
+    <p:sldLayoutId id="2147483654" r:id="rId6"/>
+    <p:sldLayoutId id="2147483655" r:id="rId7"/>
+    <p:sldLayoutId id="2147483656" r:id="rId8"/>
+    <p:sldLayoutId id="2147483657" r:id="rId9"/>
+    <p:sldLayoutId id="2147483658" r:id="rId10"/>
+    <p:sldLayoutId id="2147483659" r:id="rId11"/>
   </p:sldLayoutIdLst>
   <p:txStyles>
     <p:titleStyle>
@@ -2700,7 +2657,7 @@
         <a:spcBef>
           <a:spcPts val="1000"/>
         </a:spcBef>
-        <a:buFont typeface="Arial" panose="020B0604020202020204" pitchFamily="34" charset="0"/>
+        <a:buFont typeface="Arial" panose="020B0604020202090204" pitchFamily="34" charset="0"/>
         <a:buChar char="•"/>
         <a:defRPr sz="2800" kern="1200">
           <a:solidFill>
@@ -2718,7 +2675,7 @@
         <a:spcBef>
           <a:spcPts val="500"/>
         </a:spcBef>
-        <a:buFont typeface="Arial" panose="020B0604020202020204" pitchFamily="34" charset="0"/>
+        <a:buFont typeface="Arial" panose="020B0604020202090204" pitchFamily="34" charset="0"/>
         <a:buChar char="•"/>
         <a:defRPr sz="2400" kern="1200">
           <a:solidFill>
@@ -2736,7 +2693,7 @@
         <a:spcBef>
           <a:spcPts val="500"/>
         </a:spcBef>
-        <a:buFont typeface="Arial" panose="020B0604020202020204" pitchFamily="34" charset="0"/>
+        <a:buFont typeface="Arial" panose="020B0604020202090204" pitchFamily="34" charset="0"/>
         <a:buChar char="•"/>
         <a:defRPr sz="2000" kern="1200">
           <a:solidFill>
@@ -2754,7 +2711,7 @@
         <a:spcBef>
           <a:spcPts val="500"/>
         </a:spcBef>
-        <a:buFont typeface="Arial" panose="020B0604020202020204" pitchFamily="34" charset="0"/>
+        <a:buFont typeface="Arial" panose="020B0604020202090204" pitchFamily="34" charset="0"/>
         <a:buChar char="•"/>
         <a:defRPr sz="1800" kern="1200">
           <a:solidFill>
@@ -2772,7 +2729,7 @@
         <a:spcBef>
           <a:spcPts val="500"/>
         </a:spcBef>
-        <a:buFont typeface="Arial" panose="020B0604020202020204" pitchFamily="34" charset="0"/>
+        <a:buFont typeface="Arial" panose="020B0604020202090204" pitchFamily="34" charset="0"/>
         <a:buChar char="•"/>
         <a:defRPr sz="1800" kern="1200">
           <a:solidFill>
@@ -2790,7 +2747,7 @@
         <a:spcBef>
           <a:spcPts val="500"/>
         </a:spcBef>
-        <a:buFont typeface="Arial" panose="020B0604020202020204" pitchFamily="34" charset="0"/>
+        <a:buFont typeface="Arial" panose="020B0604020202090204" pitchFamily="34" charset="0"/>
         <a:buChar char="•"/>
         <a:defRPr sz="1800" kern="1200">
           <a:solidFill>
@@ -2808,7 +2765,7 @@
         <a:spcBef>
           <a:spcPts val="500"/>
         </a:spcBef>
-        <a:buFont typeface="Arial" panose="020B0604020202020204" pitchFamily="34" charset="0"/>
+        <a:buFont typeface="Arial" panose="020B0604020202090204" pitchFamily="34" charset="0"/>
         <a:buChar char="•"/>
         <a:defRPr sz="1800" kern="1200">
           <a:solidFill>
@@ -2826,7 +2783,7 @@
         <a:spcBef>
           <a:spcPts val="500"/>
         </a:spcBef>
-        <a:buFont typeface="Arial" panose="020B0604020202020204" pitchFamily="34" charset="0"/>
+        <a:buFont typeface="Arial" panose="020B0604020202090204" pitchFamily="34" charset="0"/>
         <a:buChar char="•"/>
         <a:defRPr sz="1800" kern="1200">
           <a:solidFill>
@@ -2844,7 +2801,7 @@
         <a:spcBef>
           <a:spcPts val="500"/>
         </a:spcBef>
-        <a:buFont typeface="Arial" panose="020B0604020202020204" pitchFamily="34" charset="0"/>
+        <a:buFont typeface="Arial" panose="020B0604020202090204" pitchFamily="34" charset="0"/>
         <a:buChar char="•"/>
         <a:defRPr sz="1800" kern="1200">
           <a:solidFill>
@@ -2982,13 +2939,7 @@
       </p:grpSpPr>
       <p:sp>
         <p:nvSpPr>
-          <p:cNvPr id="2" name="Title 1">
-            <a:extLst>
-              <a:ext uri="{FF2B5EF4-FFF2-40B4-BE49-F238E27FC236}">
-                <a16:creationId xmlns:a16="http://schemas.microsoft.com/office/drawing/2014/main" id="{B79F479B-2CD6-44A5-596E-DBCC808EDE07}"/>
-              </a:ext>
-            </a:extLst>
-          </p:cNvPr>
+          <p:cNvPr id="2" name="Title 1"/>
           <p:cNvSpPr>
             <a:spLocks noGrp="1"/>
           </p:cNvSpPr>
@@ -2998,8 +2949,8 @@
         </p:nvSpPr>
         <p:spPr>
           <a:xfrm>
-            <a:off x="789708" y="666351"/>
-            <a:ext cx="10558405" cy="3044335"/>
+            <a:off x="641985" y="666115"/>
+            <a:ext cx="10706100" cy="3583940"/>
           </a:xfrm>
         </p:spPr>
         <p:txBody>
@@ -3008,38 +2959,112 @@
           </a:bodyPr>
           <a:lstStyle/>
           <a:p>
+            <a:r>
+              <a:rPr lang="vi-VN" altLang="en-US" sz="4100">
+                <a:solidFill>
+                  <a:schemeClr val="tx1"/>
+                </a:solidFill>
+                <a:sym typeface="+mn-ea"/>
+              </a:rPr>
+              <a:t>Ứng dụng Mô hình Dự báo Lai với </a:t>
+            </a:r>
             <a:br>
-              <a:rPr lang="en-VN" sz="4100">
+              <a:rPr lang="vi-VN" altLang="en-US" sz="4100">
                 <a:solidFill>
-                  <a:schemeClr val="bg1"/>
+                  <a:schemeClr val="tx1"/>
                 </a:solidFill>
+                <a:sym typeface="+mn-ea"/>
               </a:rPr>
             </a:br>
             <a:r>
-              <a:rPr lang="en-US" sz="4100">
+              <a:rPr lang="vi-VN" altLang="en-US" sz="4100">
                 <a:solidFill>
-                  <a:schemeClr val="bg1"/>
+                  <a:schemeClr val="tx1"/>
                 </a:solidFill>
+                <a:sym typeface="+mn-ea"/>
               </a:rPr>
-              <a:t>Đọc hiểu bài báo "A Hybrid Forecasting Model with Logistic Regression and Neural Networks for Improving Key Performance Indicators in Supply Chains"</a:t>
-            </a:r>
-            <a:endParaRPr lang="en-VN" sz="4100">
+              <a:t>Hồi quy Logistic và Mạng Neural</a:t>
+            </a:r>
+            <a:br>
+              <a:rPr lang="vi-VN" altLang="en-US" sz="4100">
+                <a:solidFill>
+                  <a:schemeClr val="tx1"/>
+                </a:solidFill>
+                <a:sym typeface="+mn-ea"/>
+              </a:rPr>
+            </a:br>
+            <a:r>
+              <a:rPr lang="vi-VN" altLang="en-US" sz="4100">
+                <a:solidFill>
+                  <a:schemeClr val="tx1"/>
+                </a:solidFill>
+                <a:sym typeface="+mn-ea"/>
+              </a:rPr>
+              <a:t>để Cải thiện Chỉ số Hiệu suất Chính </a:t>
+            </a:r>
+            <a:br>
+              <a:rPr lang="vi-VN" altLang="en-US" sz="4100">
+                <a:solidFill>
+                  <a:schemeClr val="tx1"/>
+                </a:solidFill>
+                <a:sym typeface="+mn-ea"/>
+              </a:rPr>
+            </a:br>
+            <a:r>
+              <a:rPr lang="vi-VN" altLang="en-US" sz="4100">
+                <a:solidFill>
+                  <a:schemeClr val="tx1"/>
+                </a:solidFill>
+                <a:sym typeface="+mn-ea"/>
+              </a:rPr>
+              <a:t>trong Chuỗi Cung ứng</a:t>
+            </a:r>
+            <a:br>
+              <a:rPr lang="vi-VN" altLang="en-US" sz="4100">
+                <a:solidFill>
+                  <a:schemeClr val="tx1"/>
+                </a:solidFill>
+                <a:sym typeface="+mn-ea"/>
+              </a:rPr>
+            </a:br>
+            <a:r>
+              <a:rPr lang="vi-VN" altLang="en-US" sz="2400">
+                <a:solidFill>
+                  <a:schemeClr val="tx1"/>
+                </a:solidFill>
+                <a:sym typeface="+mn-ea"/>
+              </a:rPr>
+              <a:t> </a:t>
+            </a:r>
+            <a:br>
+              <a:rPr lang="vi-VN" altLang="en-US" sz="2400">
+                <a:solidFill>
+                  <a:schemeClr val="tx1"/>
+                </a:solidFill>
+                <a:sym typeface="+mn-ea"/>
+              </a:rPr>
+            </a:br>
+            <a:r>
+              <a:rPr lang="vi-VN" altLang="en-US" sz="2400">
+                <a:solidFill>
+                  <a:schemeClr val="tx1"/>
+                </a:solidFill>
+                <a:sym typeface="+mn-ea"/>
+              </a:rPr>
+              <a:t>HV: LÊ THANH DŨNG 230101074</a:t>
+            </a:r>
+            <a:endParaRPr lang="vi-VN" altLang="en-US" sz="2400">
               <a:solidFill>
-                <a:schemeClr val="bg1"/>
+                <a:schemeClr val="tx1"/>
               </a:solidFill>
+              <a:sym typeface="+mn-ea"/>
             </a:endParaRPr>
           </a:p>
         </p:txBody>
       </p:sp>
       <p:sp>
         <p:nvSpPr>
-          <p:cNvPr id="3" name="Subtitle 2">
-            <a:extLst>
-              <a:ext uri="{FF2B5EF4-FFF2-40B4-BE49-F238E27FC236}">
-                <a16:creationId xmlns:a16="http://schemas.microsoft.com/office/drawing/2014/main" id="{86942887-383C-F784-1B3D-2AE2C9E8FE67}"/>
-              </a:ext>
-            </a:extLst>
-          </p:cNvPr>
+          <p:cNvPr id="3" name="Subtitle 2"/>
           <p:cNvSpPr>
             <a:spLocks noGrp="1"/>
           </p:cNvSpPr>
@@ -3066,8 +3091,15 @@
             </a:endParaRPr>
           </a:p>
           <a:p>
+            <a:endParaRPr lang="vi-VN" sz="1100">
+              <a:solidFill>
+                <a:schemeClr val="bg1"/>
+              </a:solidFill>
+            </a:endParaRPr>
+          </a:p>
+          <a:p>
             <a:pPr>
-              <a:buFont typeface="Arial" panose="020B0604020202020204" pitchFamily="34" charset="0"/>
+              <a:buFont typeface="Arial" panose="020B0604020202090204" pitchFamily="34" charset="0"/>
               <a:buChar char="•"/>
             </a:pPr>
             <a:r>
@@ -3086,10 +3118,15 @@
               </a:rPr>
               <a:t> Nâng cao độ chính xác của dự báo KPI trong chuỗi cung ứng bằng cách sử dụng mô hình lai kết hợp hồi quy Logistic và Mạng Neural.</a:t>
             </a:r>
+            <a:endParaRPr lang="vi-VN" sz="1100">
+              <a:solidFill>
+                <a:schemeClr val="bg1"/>
+              </a:solidFill>
+            </a:endParaRPr>
           </a:p>
           <a:p>
             <a:pPr>
-              <a:buFont typeface="Arial" panose="020B0604020202020204" pitchFamily="34" charset="0"/>
+              <a:buFont typeface="Arial" panose="020B0604020202090204" pitchFamily="34" charset="0"/>
               <a:buChar char="•"/>
             </a:pPr>
             <a:r>
@@ -3108,7 +3145,7 @@
           </a:p>
           <a:p>
             <a:pPr marL="742950" lvl="1" indent="-285750">
-              <a:buFont typeface="Arial" panose="020B0604020202020204" pitchFamily="34" charset="0"/>
+              <a:buFont typeface="Arial" panose="020B0604020202090204" pitchFamily="34" charset="0"/>
               <a:buChar char="•"/>
             </a:pPr>
             <a:r>
@@ -3119,10 +3156,15 @@
               </a:rPr>
               <a:t>Sử dụng dữ liệu đánh giá độ chín của Lean.</a:t>
             </a:r>
+            <a:endParaRPr lang="vi-VN" sz="1100">
+              <a:solidFill>
+                <a:schemeClr val="bg1"/>
+              </a:solidFill>
+            </a:endParaRPr>
           </a:p>
           <a:p>
             <a:pPr marL="742950" lvl="1" indent="-285750">
-              <a:buFont typeface="Arial" panose="020B0604020202020204" pitchFamily="34" charset="0"/>
+              <a:buFont typeface="Arial" panose="020B0604020202090204" pitchFamily="34" charset="0"/>
               <a:buChar char="•"/>
             </a:pPr>
             <a:r>
@@ -3133,10 +3175,15 @@
               </a:rPr>
               <a:t>Phát triển mô hình hồi quy Logistic và Mạng Neural.</a:t>
             </a:r>
+            <a:endParaRPr lang="vi-VN" sz="1100">
+              <a:solidFill>
+                <a:schemeClr val="bg1"/>
+              </a:solidFill>
+            </a:endParaRPr>
           </a:p>
           <a:p>
             <a:pPr marL="742950" lvl="1" indent="-285750">
-              <a:buFont typeface="Arial" panose="020B0604020202020204" pitchFamily="34" charset="0"/>
+              <a:buFont typeface="Arial" panose="020B0604020202090204" pitchFamily="34" charset="0"/>
               <a:buChar char="•"/>
             </a:pPr>
             <a:r>
@@ -3147,10 +3194,15 @@
               </a:rPr>
               <a:t>Kết hợp các mô hình thành mô hình lai để dự báo chính xác hơn.</a:t>
             </a:r>
+            <a:endParaRPr lang="vi-VN" sz="1100">
+              <a:solidFill>
+                <a:schemeClr val="bg1"/>
+              </a:solidFill>
+            </a:endParaRPr>
           </a:p>
           <a:p>
             <a:pPr>
-              <a:buFont typeface="Arial" panose="020B0604020202020204" pitchFamily="34" charset="0"/>
+              <a:buFont typeface="Arial" panose="020B0604020202090204" pitchFamily="34" charset="0"/>
               <a:buChar char="•"/>
             </a:pPr>
             <a:r>
@@ -3169,22 +3221,22 @@
               </a:rPr>
               <a:t> Mô hình lai cải thiện độ chính xác dự báo lên 17% và F1 score lên 13%.</a:t>
             </a:r>
-          </a:p>
-          <a:p>
-            <a:endParaRPr lang="en-VN" sz="1100">
+            <a:endParaRPr lang="vi-VN" sz="1100">
               <a:solidFill>
                 <a:schemeClr val="bg1"/>
               </a:solidFill>
             </a:endParaRPr>
           </a:p>
+          <a:p>
+            <a:endParaRPr lang="en-US" sz="1100">
+              <a:solidFill>
+                <a:schemeClr val="bg1"/>
+              </a:solidFill>
+            </a:endParaRPr>
+          </a:p>
         </p:txBody>
       </p:sp>
     </p:spTree>
-    <p:extLst>
-      <p:ext uri="{BB962C8B-B14F-4D97-AF65-F5344CB8AC3E}">
-        <p14:creationId xmlns:p14="http://schemas.microsoft.com/office/powerpoint/2010/main" val="2119723297"/>
-      </p:ext>
-    </p:extLst>
   </p:cSld>
   <p:clrMapOvr>
     <a:masterClrMapping/>
@@ -3219,26 +3271,11 @@
       </p:grpSpPr>
       <p:sp useBgFill="1">
         <p:nvSpPr>
-          <p:cNvPr id="9" name="Rectangle 8">
-            <a:extLst>
-              <a:ext uri="{FF2B5EF4-FFF2-40B4-BE49-F238E27FC236}">
-                <a16:creationId xmlns:a16="http://schemas.microsoft.com/office/drawing/2014/main" id="{2C61293E-6EBE-43EF-A52C-9BEBFD7679D4}"/>
-              </a:ext>
-              <a:ext uri="{C183D7F6-B498-43B3-948B-1728B52AA6E4}">
-                <adec:decorative xmlns:adec="http://schemas.microsoft.com/office/drawing/2017/decorative" val="1"/>
-              </a:ext>
-            </a:extLst>
-          </p:cNvPr>
+          <p:cNvPr id="9" name="Rectangle 8"/>
           <p:cNvSpPr>
             <a:spLocks noGrp="1" noRot="1" noChangeAspect="1" noMove="1" noResize="1" noEditPoints="1" noAdjustHandles="1" noChangeArrowheads="1" noChangeShapeType="1" noTextEdit="1"/>
           </p:cNvSpPr>
-          <p:nvPr>
-            <p:extLst>
-              <p:ext uri="{386F3935-93C4-4BCD-93E2-E3B085C9AB24}">
-                <p16:designElem xmlns:p16="http://schemas.microsoft.com/office/powerpoint/2015/main" val="1"/>
-              </p:ext>
-            </p:extLst>
-          </p:nvPr>
+          <p:nvPr/>
         </p:nvSpPr>
         <p:spPr>
           <a:xfrm>
@@ -3279,13 +3316,7 @@
       </p:sp>
       <p:sp>
         <p:nvSpPr>
-          <p:cNvPr id="2" name="Title 1">
-            <a:extLst>
-              <a:ext uri="{FF2B5EF4-FFF2-40B4-BE49-F238E27FC236}">
-                <a16:creationId xmlns:a16="http://schemas.microsoft.com/office/drawing/2014/main" id="{D617D450-0136-01F3-6582-DB6A1C2CF6C2}"/>
-              </a:ext>
-            </a:extLst>
-          </p:cNvPr>
+          <p:cNvPr id="2" name="Title 1"/>
           <p:cNvSpPr>
             <a:spLocks noGrp="1"/>
           </p:cNvSpPr>
@@ -3309,28 +3340,24 @@
               <a:rPr lang="en-US" sz="5400"/>
               <a:t>Cài đặt minh họa với tập dữ liệu về kinh tế</a:t>
             </a:r>
-            <a:endParaRPr lang="en-VN" sz="5400"/>
+            <a:endParaRPr lang="en-US" sz="5400"/>
           </a:p>
         </p:txBody>
       </p:sp>
       <p:pic>
         <p:nvPicPr>
-          <p:cNvPr id="5" name="Picture 4" descr="Three darts on bullseye">
-            <a:extLst>
-              <a:ext uri="{FF2B5EF4-FFF2-40B4-BE49-F238E27FC236}">
-                <a16:creationId xmlns:a16="http://schemas.microsoft.com/office/drawing/2014/main" id="{547D1C04-DC79-17C4-E0B8-B11AA8A08A55}"/>
-              </a:ext>
-            </a:extLst>
-          </p:cNvPr>
+          <p:cNvPr id="5" name="Picture 4" descr="Three darts on bullseye"/>
           <p:cNvPicPr>
             <a:picLocks noChangeAspect="1"/>
           </p:cNvPicPr>
           <p:nvPr/>
         </p:nvPicPr>
         <p:blipFill rotWithShape="1">
-          <a:blip r:embed="rId2"/>
+          <a:blip r:embed="rId1"/>
           <a:srcRect l="47826" r="7013"/>
-          <a:stretch/>
+          <a:stretch>
+            <a:fillRect/>
+          </a:stretch>
         </p:blipFill>
         <p:spPr>
           <a:xfrm>
@@ -3456,26 +3483,11 @@
       </p:pic>
       <p:sp>
         <p:nvSpPr>
-          <p:cNvPr id="11" name="sketchy line">
-            <a:extLst>
-              <a:ext uri="{FF2B5EF4-FFF2-40B4-BE49-F238E27FC236}">
-                <a16:creationId xmlns:a16="http://schemas.microsoft.com/office/drawing/2014/main" id="{21540236-BFD5-4A9D-8840-4703E7F76825}"/>
-              </a:ext>
-              <a:ext uri="{C183D7F6-B498-43B3-948B-1728B52AA6E4}">
-                <adec:decorative xmlns:adec="http://schemas.microsoft.com/office/drawing/2017/decorative" val="1"/>
-              </a:ext>
-            </a:extLst>
-          </p:cNvPr>
+          <p:cNvPr id="11" name="sketchy line"/>
           <p:cNvSpPr>
             <a:spLocks noGrp="1" noRot="1" noChangeAspect="1" noMove="1" noResize="1" noEditPoints="1" noAdjustHandles="1" noChangeArrowheads="1" noChangeShapeType="1" noTextEdit="1"/>
           </p:cNvSpPr>
-          <p:nvPr>
-            <p:extLst>
-              <p:ext uri="{386F3935-93C4-4BCD-93E2-E3B085C9AB24}">
-                <p16:designElem xmlns:p16="http://schemas.microsoft.com/office/powerpoint/2015/main" val="1"/>
-              </p:ext>
-            </p:extLst>
-          </p:nvPr>
+          <p:nvPr/>
         </p:nvSpPr>
         <p:spPr>
           <a:xfrm>
@@ -3758,18 +3770,6 @@
               <a:schemeClr val="accent2"/>
             </a:solidFill>
             <a:round/>
-            <a:extLst>
-              <a:ext uri="{C807C97D-BFC1-408E-A445-0C87EB9F89A2}">
-                <ask:lineSketchStyleProps xmlns:ask="http://schemas.microsoft.com/office/drawing/2018/sketchyshapes" sd="2727557108">
-                  <a:prstGeom prst="rect">
-                    <a:avLst/>
-                  </a:prstGeom>
-                  <ask:type>
-                    <ask:lineSketchFreehand/>
-                  </ask:type>
-                </ask:lineSketchStyleProps>
-              </a:ext>
-            </a:extLst>
           </a:ln>
         </p:spPr>
         <p:style>
@@ -3799,13 +3799,7 @@
       </p:sp>
       <p:sp>
         <p:nvSpPr>
-          <p:cNvPr id="3" name="Content Placeholder 2">
-            <a:extLst>
-              <a:ext uri="{FF2B5EF4-FFF2-40B4-BE49-F238E27FC236}">
-                <a16:creationId xmlns:a16="http://schemas.microsoft.com/office/drawing/2014/main" id="{7D6436A8-3DBD-AF98-04C5-B78EA85743AD}"/>
-              </a:ext>
-            </a:extLst>
-          </p:cNvPr>
+          <p:cNvPr id="3" name="Content Placeholder 2"/>
           <p:cNvSpPr>
             <a:spLocks noGrp="1"/>
           </p:cNvSpPr>
@@ -3826,7 +3820,7 @@
           <a:lstStyle/>
           <a:p>
             <a:pPr>
-              <a:buFont typeface="Arial" panose="020B0604020202020204" pitchFamily="34" charset="0"/>
+              <a:buFont typeface="Arial" panose="020B0604020202090204" pitchFamily="34" charset="0"/>
               <a:buChar char="•"/>
             </a:pPr>
             <a:r>
@@ -3837,27 +3831,29 @@
           </a:p>
           <a:p>
             <a:pPr marL="742950" lvl="1" indent="-285750">
-              <a:buFont typeface="Arial" panose="020B0604020202020204" pitchFamily="34" charset="0"/>
+              <a:buFont typeface="Arial" panose="020B0604020202090204" pitchFamily="34" charset="0"/>
               <a:buChar char="•"/>
             </a:pPr>
             <a:r>
               <a:rPr lang="vi-VN" sz="1700"/>
               <a:t>Sử dụng tập dữ liệu về GDP của Việt Nam.</a:t>
             </a:r>
+            <a:endParaRPr lang="vi-VN" sz="1700"/>
           </a:p>
           <a:p>
             <a:pPr marL="742950" lvl="1" indent="-285750">
-              <a:buFont typeface="Arial" panose="020B0604020202020204" pitchFamily="34" charset="0"/>
+              <a:buFont typeface="Arial" panose="020B0604020202090204" pitchFamily="34" charset="0"/>
               <a:buChar char="•"/>
             </a:pPr>
             <a:r>
               <a:rPr lang="vi-VN" sz="1700"/>
               <a:t>Chuyển đổi dữ liệu thành dạng nhị phân để sử dụng cho hồi quy Logistic.</a:t>
             </a:r>
+            <a:endParaRPr lang="vi-VN" sz="1700"/>
           </a:p>
           <a:p>
             <a:pPr>
-              <a:buFont typeface="Arial" panose="020B0604020202020204" pitchFamily="34" charset="0"/>
+              <a:buFont typeface="Arial" panose="020B0604020202090204" pitchFamily="34" charset="0"/>
               <a:buChar char="•"/>
             </a:pPr>
             <a:r>
@@ -3868,27 +3864,29 @@
           </a:p>
           <a:p>
             <a:pPr marL="742950" lvl="1" indent="-285750">
-              <a:buFont typeface="Arial" panose="020B0604020202020204" pitchFamily="34" charset="0"/>
+              <a:buFont typeface="Arial" panose="020B0604020202090204" pitchFamily="34" charset="0"/>
               <a:buChar char="•"/>
             </a:pPr>
             <a:r>
               <a:rPr lang="vi-VN" sz="1700"/>
               <a:t>Huấn luyện mô hình hồi quy Logistic và Mạng Neural.</a:t>
             </a:r>
+            <a:endParaRPr lang="vi-VN" sz="1700"/>
           </a:p>
           <a:p>
             <a:pPr marL="742950" lvl="1" indent="-285750">
-              <a:buFont typeface="Arial" panose="020B0604020202020204" pitchFamily="34" charset="0"/>
+              <a:buFont typeface="Arial" panose="020B0604020202090204" pitchFamily="34" charset="0"/>
               <a:buChar char="•"/>
             </a:pPr>
             <a:r>
               <a:rPr lang="vi-VN" sz="1700"/>
               <a:t>Kết hợp kết quả dự đoán từ cả hai mô hình thành mô hình lai.</a:t>
             </a:r>
+            <a:endParaRPr lang="vi-VN" sz="1700"/>
           </a:p>
           <a:p>
             <a:pPr>
-              <a:buFont typeface="Arial" panose="020B0604020202020204" pitchFamily="34" charset="0"/>
+              <a:buFont typeface="Arial" panose="020B0604020202090204" pitchFamily="34" charset="0"/>
               <a:buChar char="•"/>
             </a:pPr>
             <a:r>
@@ -3899,25 +3897,21 @@
           </a:p>
           <a:p>
             <a:pPr marL="742950" lvl="1" indent="-285750">
-              <a:buFont typeface="Arial" panose="020B0604020202020204" pitchFamily="34" charset="0"/>
+              <a:buFont typeface="Arial" panose="020B0604020202090204" pitchFamily="34" charset="0"/>
               <a:buChar char="•"/>
             </a:pPr>
             <a:r>
               <a:rPr lang="vi-VN" sz="1700"/>
               <a:t>Sử dụng độ chính xác (accuracy) và F1 score để đánh giá hiệu quả của mô hình.</a:t>
             </a:r>
-          </a:p>
-          <a:p>
-            <a:endParaRPr lang="en-VN" sz="1700"/>
+            <a:endParaRPr lang="vi-VN" sz="1700"/>
+          </a:p>
+          <a:p>
+            <a:endParaRPr lang="en-US" sz="1700"/>
           </a:p>
         </p:txBody>
       </p:sp>
     </p:spTree>
-    <p:extLst>
-      <p:ext uri="{BB962C8B-B14F-4D97-AF65-F5344CB8AC3E}">
-        <p14:creationId xmlns:p14="http://schemas.microsoft.com/office/powerpoint/2010/main" val="3416527557"/>
-      </p:ext>
-    </p:extLst>
   </p:cSld>
   <p:clrMapOvr>
     <a:masterClrMapping/>
@@ -3944,13 +3938,7 @@
       </p:grpSpPr>
       <p:sp>
         <p:nvSpPr>
-          <p:cNvPr id="2" name="Title 1">
-            <a:extLst>
-              <a:ext uri="{FF2B5EF4-FFF2-40B4-BE49-F238E27FC236}">
-                <a16:creationId xmlns:a16="http://schemas.microsoft.com/office/drawing/2014/main" id="{27798D61-F250-C0BA-7E90-D56E0D8AC22D}"/>
-              </a:ext>
-            </a:extLst>
-          </p:cNvPr>
+          <p:cNvPr id="2" name="Title 1"/>
           <p:cNvSpPr>
             <a:spLocks noGrp="1"/>
           </p:cNvSpPr>
@@ -4031,19 +4019,13 @@
               <a:rPr lang="en-US" dirty="0" err="1"/>
               <a:t>đặt</a:t>
             </a:r>
-            <a:endParaRPr lang="en-VN" dirty="0"/>
-          </a:p>
-        </p:txBody>
-      </p:sp>
-      <p:sp>
-        <p:nvSpPr>
-          <p:cNvPr id="3" name="Content Placeholder 2">
-            <a:extLst>
-              <a:ext uri="{FF2B5EF4-FFF2-40B4-BE49-F238E27FC236}">
-                <a16:creationId xmlns:a16="http://schemas.microsoft.com/office/drawing/2014/main" id="{C07F9E2F-9613-BB09-79A7-0FD2DEC7702C}"/>
-              </a:ext>
-            </a:extLst>
-          </p:cNvPr>
+            <a:endParaRPr lang="en-US" dirty="0"/>
+          </a:p>
+        </p:txBody>
+      </p:sp>
+      <p:sp>
+        <p:nvSpPr>
+          <p:cNvPr id="3" name="Content Placeholder 2"/>
           <p:cNvSpPr>
             <a:spLocks noGrp="1"/>
           </p:cNvSpPr>
@@ -4059,105 +4041,109 @@
           <a:lstStyle/>
           <a:p>
             <a:pPr>
-              <a:buFont typeface="Arial" panose="020B0604020202020204" pitchFamily="34" charset="0"/>
+              <a:buFont typeface="Arial" panose="020B0604020202090204" pitchFamily="34" charset="0"/>
               <a:buChar char="•"/>
             </a:pPr>
             <a:r>
               <a:rPr lang="vi-VN" b="1" dirty="0"/>
               <a:t>Hồi quy Logistic:</a:t>
             </a:r>
+            <a:endParaRPr lang="vi-VN" b="1" dirty="0"/>
           </a:p>
           <a:p>
             <a:pPr lvl="1">
-              <a:buFont typeface="Wingdings" pitchFamily="2" charset="2"/>
+              <a:buFont typeface="Wingdings" panose="05000000000000000000" pitchFamily="2" charset="2"/>
               <a:buChar char="Ø"/>
             </a:pPr>
             <a:r>
               <a:rPr lang="vi-VN" dirty="0"/>
               <a:t>Độ phức tạp thời gian: O(n * p)</a:t>
             </a:r>
+            <a:endParaRPr lang="vi-VN" dirty="0"/>
           </a:p>
           <a:p>
             <a:pPr lvl="1">
-              <a:buFont typeface="Wingdings" pitchFamily="2" charset="2"/>
+              <a:buFont typeface="Wingdings" panose="05000000000000000000" pitchFamily="2" charset="2"/>
               <a:buChar char="Ø"/>
             </a:pPr>
             <a:r>
               <a:rPr lang="vi-VN" dirty="0"/>
               <a:t>n: số lượng mẫu, p: số lượng đặc trưng.</a:t>
             </a:r>
+            <a:endParaRPr lang="vi-VN" dirty="0"/>
           </a:p>
           <a:p>
             <a:pPr>
-              <a:buFont typeface="Arial" panose="020B0604020202020204" pitchFamily="34" charset="0"/>
+              <a:buFont typeface="Arial" panose="020B0604020202090204" pitchFamily="34" charset="0"/>
               <a:buChar char="•"/>
             </a:pPr>
             <a:r>
               <a:rPr lang="vi-VN" b="1" dirty="0"/>
               <a:t>Mạng Neural (MLP):</a:t>
             </a:r>
+            <a:endParaRPr lang="vi-VN" b="1" dirty="0"/>
           </a:p>
           <a:p>
             <a:pPr lvl="1">
-              <a:buFont typeface="Wingdings" pitchFamily="2" charset="2"/>
+              <a:buFont typeface="Wingdings" panose="05000000000000000000" pitchFamily="2" charset="2"/>
               <a:buChar char="Ø"/>
             </a:pPr>
             <a:r>
               <a:rPr lang="vi-VN" dirty="0"/>
               <a:t>Độ phức tạp thời gian: O(n * m * l)</a:t>
             </a:r>
+            <a:endParaRPr lang="vi-VN" dirty="0"/>
           </a:p>
           <a:p>
             <a:pPr lvl="1">
-              <a:buFont typeface="Wingdings" pitchFamily="2" charset="2"/>
+              <a:buFont typeface="Wingdings" panose="05000000000000000000" pitchFamily="2" charset="2"/>
               <a:buChar char="Ø"/>
             </a:pPr>
             <a:r>
               <a:rPr lang="vi-VN" dirty="0"/>
               <a:t>n: số lượng mẫu, m: số lượng neuron trong lớp ẩn, l: số lượng lớp.</a:t>
             </a:r>
+            <a:endParaRPr lang="vi-VN" dirty="0"/>
           </a:p>
           <a:p>
             <a:pPr>
-              <a:buFont typeface="Arial" panose="020B0604020202020204" pitchFamily="34" charset="0"/>
+              <a:buFont typeface="Arial" panose="020B0604020202090204" pitchFamily="34" charset="0"/>
               <a:buChar char="•"/>
             </a:pPr>
             <a:r>
               <a:rPr lang="vi-VN" b="1" dirty="0"/>
               <a:t>Mô hình lai:</a:t>
             </a:r>
+            <a:endParaRPr lang="vi-VN" b="1" dirty="0"/>
           </a:p>
           <a:p>
             <a:pPr lvl="1">
-              <a:buFont typeface="Wingdings" pitchFamily="2" charset="2"/>
+              <a:buFont typeface="Wingdings" panose="05000000000000000000" pitchFamily="2" charset="2"/>
               <a:buChar char="Ø"/>
             </a:pPr>
             <a:r>
               <a:rPr lang="vi-VN" dirty="0"/>
               <a:t>Độ phức tạp thời gian: O(n * (p + m * l))</a:t>
             </a:r>
+            <a:endParaRPr lang="vi-VN" dirty="0"/>
           </a:p>
           <a:p>
             <a:pPr lvl="1">
-              <a:buFont typeface="Wingdings" pitchFamily="2" charset="2"/>
+              <a:buFont typeface="Wingdings" panose="05000000000000000000" pitchFamily="2" charset="2"/>
               <a:buChar char="Ø"/>
             </a:pPr>
             <a:r>
               <a:rPr lang="vi-VN" dirty="0"/>
               <a:t>Kết hợp độ phức tạp của cả hai mô hình trên.</a:t>
             </a:r>
-          </a:p>
-          <a:p>
-            <a:endParaRPr lang="en-VN" dirty="0"/>
+            <a:endParaRPr lang="vi-VN" dirty="0"/>
+          </a:p>
+          <a:p>
+            <a:endParaRPr lang="en-US" dirty="0"/>
           </a:p>
         </p:txBody>
       </p:sp>
     </p:spTree>
-    <p:extLst>
-      <p:ext uri="{BB962C8B-B14F-4D97-AF65-F5344CB8AC3E}">
-        <p14:creationId xmlns:p14="http://schemas.microsoft.com/office/powerpoint/2010/main" val="442821924"/>
-      </p:ext>
-    </p:extLst>
   </p:cSld>
   <p:clrMapOvr>
     <a:masterClrMapping/>
@@ -4184,13 +4170,7 @@
       </p:grpSpPr>
       <p:sp>
         <p:nvSpPr>
-          <p:cNvPr id="2" name="Title 1">
-            <a:extLst>
-              <a:ext uri="{FF2B5EF4-FFF2-40B4-BE49-F238E27FC236}">
-                <a16:creationId xmlns:a16="http://schemas.microsoft.com/office/drawing/2014/main" id="{EAD26E36-D13A-A172-2628-73D9401FA563}"/>
-              </a:ext>
-            </a:extLst>
-          </p:cNvPr>
+          <p:cNvPr id="2" name="Title 1"/>
           <p:cNvSpPr>
             <a:spLocks noGrp="1"/>
           </p:cNvSpPr>
@@ -4239,19 +4219,13 @@
               <a:rPr lang="en-US" dirty="0" err="1"/>
               <a:t>báo</a:t>
             </a:r>
-            <a:endParaRPr lang="en-VN" dirty="0"/>
-          </a:p>
-        </p:txBody>
-      </p:sp>
-      <p:sp>
-        <p:nvSpPr>
-          <p:cNvPr id="3" name="Content Placeholder 2">
-            <a:extLst>
-              <a:ext uri="{FF2B5EF4-FFF2-40B4-BE49-F238E27FC236}">
-                <a16:creationId xmlns:a16="http://schemas.microsoft.com/office/drawing/2014/main" id="{C13C3526-EAC8-7E22-0546-FB478DA557F5}"/>
-              </a:ext>
-            </a:extLst>
-          </p:cNvPr>
+            <a:endParaRPr lang="en-US" dirty="0"/>
+          </a:p>
+        </p:txBody>
+      </p:sp>
+      <p:sp>
+        <p:nvSpPr>
+          <p:cNvPr id="3" name="Content Placeholder 2"/>
           <p:cNvSpPr>
             <a:spLocks noGrp="1"/>
           </p:cNvSpPr>
@@ -4265,7 +4239,7 @@
           <a:lstStyle/>
           <a:p>
             <a:pPr>
-              <a:buFont typeface="Arial" panose="020B0604020202020204" pitchFamily="34" charset="0"/>
+              <a:buFont typeface="Arial" panose="020B0604020202090204" pitchFamily="34" charset="0"/>
               <a:buChar char="•"/>
             </a:pPr>
             <a:r>
@@ -4276,17 +4250,18 @@
           </a:p>
           <a:p>
             <a:pPr marL="742950" lvl="1" indent="-285750">
-              <a:buFont typeface="Arial" panose="020B0604020202020204" pitchFamily="34" charset="0"/>
+              <a:buFont typeface="Arial" panose="020B0604020202090204" pitchFamily="34" charset="0"/>
               <a:buChar char="•"/>
             </a:pPr>
             <a:r>
               <a:rPr lang="vi-VN" dirty="0"/>
               <a:t>Sản xuất, dịch vụ, nông nghiệp.</a:t>
             </a:r>
+            <a:endParaRPr lang="vi-VN" dirty="0"/>
           </a:p>
           <a:p>
             <a:pPr>
-              <a:buFont typeface="Arial" panose="020B0604020202020204" pitchFamily="34" charset="0"/>
+              <a:buFont typeface="Arial" panose="020B0604020202090204" pitchFamily="34" charset="0"/>
               <a:buChar char="•"/>
             </a:pPr>
             <a:r>
@@ -4297,17 +4272,18 @@
           </a:p>
           <a:p>
             <a:pPr marL="742950" lvl="1" indent="-285750">
-              <a:buFont typeface="Arial" panose="020B0604020202020204" pitchFamily="34" charset="0"/>
+              <a:buFont typeface="Arial" panose="020B0604020202090204" pitchFamily="34" charset="0"/>
               <a:buChar char="•"/>
             </a:pPr>
             <a:r>
               <a:rPr lang="vi-VN" dirty="0"/>
               <a:t>Sử dụng thêm dữ liệu từ các nguồn khác nhau để tăng độ chính xác.</a:t>
             </a:r>
+            <a:endParaRPr lang="vi-VN" dirty="0"/>
           </a:p>
           <a:p>
             <a:pPr>
-              <a:buFont typeface="Arial" panose="020B0604020202020204" pitchFamily="34" charset="0"/>
+              <a:buFont typeface="Arial" panose="020B0604020202090204" pitchFamily="34" charset="0"/>
               <a:buChar char="•"/>
             </a:pPr>
             <a:r>
@@ -4318,25 +4294,21 @@
           </a:p>
           <a:p>
             <a:pPr marL="742950" lvl="1" indent="-285750">
-              <a:buFont typeface="Arial" panose="020B0604020202020204" pitchFamily="34" charset="0"/>
+              <a:buFont typeface="Arial" panose="020B0604020202090204" pitchFamily="34" charset="0"/>
               <a:buChar char="•"/>
             </a:pPr>
             <a:r>
               <a:rPr lang="vi-VN" dirty="0"/>
               <a:t>Kết hợp thêm các kỹ thuật như Random Forest, Gradient Boosting để cải thiện hiệu suất.</a:t>
             </a:r>
-          </a:p>
-          <a:p>
-            <a:endParaRPr lang="en-VN" dirty="0"/>
+            <a:endParaRPr lang="vi-VN" dirty="0"/>
+          </a:p>
+          <a:p>
+            <a:endParaRPr lang="en-US" dirty="0"/>
           </a:p>
         </p:txBody>
       </p:sp>
     </p:spTree>
-    <p:extLst>
-      <p:ext uri="{BB962C8B-B14F-4D97-AF65-F5344CB8AC3E}">
-        <p14:creationId xmlns:p14="http://schemas.microsoft.com/office/powerpoint/2010/main" val="3278001024"/>
-      </p:ext>
-    </p:extLst>
   </p:cSld>
   <p:clrMapOvr>
     <a:masterClrMapping/>
@@ -4363,13 +4335,7 @@
       </p:grpSpPr>
       <p:sp>
         <p:nvSpPr>
-          <p:cNvPr id="2" name="Title 1">
-            <a:extLst>
-              <a:ext uri="{FF2B5EF4-FFF2-40B4-BE49-F238E27FC236}">
-                <a16:creationId xmlns:a16="http://schemas.microsoft.com/office/drawing/2014/main" id="{CEEC5C3C-865F-0144-43DD-B6BD1494F8C9}"/>
-              </a:ext>
-            </a:extLst>
-          </p:cNvPr>
+          <p:cNvPr id="2" name="Title 1"/>
           <p:cNvSpPr>
             <a:spLocks noGrp="1"/>
           </p:cNvSpPr>
@@ -4447,19 +4413,13 @@
               <a:rPr lang="vi-VN" dirty="0"/>
               <a:t>Hướng nghiên cứu tương lai</a:t>
             </a:r>
-            <a:endParaRPr lang="en-VN" dirty="0"/>
-          </a:p>
-        </p:txBody>
-      </p:sp>
-      <p:sp>
-        <p:nvSpPr>
-          <p:cNvPr id="3" name="Content Placeholder 2">
-            <a:extLst>
-              <a:ext uri="{FF2B5EF4-FFF2-40B4-BE49-F238E27FC236}">
-                <a16:creationId xmlns:a16="http://schemas.microsoft.com/office/drawing/2014/main" id="{9ECF4435-DF4D-7DA6-4DE3-CF96F6C9F711}"/>
-              </a:ext>
-            </a:extLst>
-          </p:cNvPr>
+            <a:endParaRPr lang="en-US" dirty="0"/>
+          </a:p>
+        </p:txBody>
+      </p:sp>
+      <p:sp>
+        <p:nvSpPr>
+          <p:cNvPr id="3" name="Content Placeholder 2"/>
           <p:cNvSpPr>
             <a:spLocks noGrp="1"/>
           </p:cNvSpPr>
@@ -4478,7 +4438,7 @@
           <a:lstStyle/>
           <a:p>
             <a:pPr>
-              <a:buFont typeface="Arial" panose="020B0604020202020204" pitchFamily="34" charset="0"/>
+              <a:buFont typeface="Arial" panose="020B0604020202090204" pitchFamily="34" charset="0"/>
               <a:buChar char="•"/>
             </a:pPr>
             <a:r>
@@ -4489,10 +4449,11 @@
               <a:rPr lang="vi-VN" dirty="0"/>
               <a:t>Triển khai mô hình trong các hệ thống chuỗi cung ứng thực tế.</a:t>
             </a:r>
+            <a:endParaRPr lang="vi-VN" dirty="0"/>
           </a:p>
           <a:p>
             <a:pPr>
-              <a:buFont typeface="Arial" panose="020B0604020202020204" pitchFamily="34" charset="0"/>
+              <a:buFont typeface="Arial" panose="020B0604020202090204" pitchFamily="34" charset="0"/>
               <a:buChar char="•"/>
             </a:pPr>
             <a:r>
@@ -4503,10 +4464,11 @@
               <a:rPr lang="vi-VN" dirty="0"/>
               <a:t>Nghiên cứu các phương pháp tối ưu hóa để giảm độ phức tạp tính toán.</a:t>
             </a:r>
+            <a:endParaRPr lang="vi-VN" dirty="0"/>
           </a:p>
           <a:p>
             <a:pPr>
-              <a:buFont typeface="Arial" panose="020B0604020202020204" pitchFamily="34" charset="0"/>
+              <a:buFont typeface="Arial" panose="020B0604020202090204" pitchFamily="34" charset="0"/>
               <a:buChar char="•"/>
             </a:pPr>
             <a:r>
@@ -4517,15 +4479,11 @@
               <a:rPr lang="vi-VN" dirty="0"/>
               <a:t>Đánh giá mô hình trên các tập dữ liệu lớn và đa dạng hơn để kiểm tra khả năng tổng quát hóa.</a:t>
             </a:r>
+            <a:endParaRPr lang="vi-VN" dirty="0"/>
           </a:p>
         </p:txBody>
       </p:sp>
     </p:spTree>
-    <p:extLst>
-      <p:ext uri="{BB962C8B-B14F-4D97-AF65-F5344CB8AC3E}">
-        <p14:creationId xmlns:p14="http://schemas.microsoft.com/office/powerpoint/2010/main" val="1341843017"/>
-      </p:ext>
-    </p:extLst>
   </p:cSld>
   <p:clrMapOvr>
     <a:masterClrMapping/>
@@ -4576,7 +4534,7 @@
     </a:clrScheme>
     <a:fontScheme name="Office 2013 - 2022 Theme">
       <a:majorFont>
-        <a:latin typeface="Calibri Light" panose="020F0302020204030204"/>
+        <a:latin typeface="Calibri Light"/>
         <a:ea typeface=""/>
         <a:cs typeface=""/>
         <a:font script="Jpan" typeface="游ゴシック Light"/>
@@ -4611,7 +4569,7 @@
         <a:font script="Geor" typeface="Sylfaen"/>
       </a:majorFont>
       <a:minorFont>
-        <a:latin typeface="Calibri" panose="020F0502020204030204"/>
+        <a:latin typeface="Calibri"/>
         <a:ea typeface=""/>
         <a:cs typeface=""/>
         <a:font script="Jpan" typeface="游ゴシック"/>
@@ -4784,11 +4742,9 @@
       </a:bgFillStyleLst>
     </a:fmtScheme>
   </a:themeElements>
-  <a:objectDefaults/>
-  <a:extraClrSchemeLst/>
   <a:extLst>
     <a:ext uri="{05A4C25C-085E-4340-85A3-A5531E510DB2}">
-      <thm15:themeFamily xmlns:thm15="http://schemas.microsoft.com/office/thememl/2012/main" name="Office 2013 - 2022 Theme" id="{62F939B6-93AF-4DB8-9C6B-D6C7DFDC589F}" vid="{4A3C46E8-61CC-4603-A589-7422A47A8E4A}"/>
+      <thm15:themeFamily xmlns:thm15="http://schemas.microsoft.com/office/thememl/2012/main" name="Office Theme" id="{62F939B6-93AF-4DB8-9C6B-D6C7DFDC589F}" vid="{4A3C46E8-61CC-4603-A589-7422A47A8E4A}"/>
     </a:ext>
   </a:extLst>
 </a:theme>

--- a/lab/IS6404 -T7/ Đồ án cuối kỳ/Thuyết trình .pptx
+++ b/lab/IS6404 -T7/ Đồ án cuối kỳ/Thuyết trình .pptx
@@ -8,8 +8,10 @@
     <p:sldId id="256" r:id="rId3"/>
     <p:sldId id="257" r:id="rId4"/>
     <p:sldId id="258" r:id="rId5"/>
-    <p:sldId id="259" r:id="rId6"/>
-    <p:sldId id="260" r:id="rId7"/>
+    <p:sldId id="261" r:id="rId6"/>
+    <p:sldId id="262" r:id="rId7"/>
+    <p:sldId id="259" r:id="rId8"/>
+    <p:sldId id="260" r:id="rId9"/>
   </p:sldIdLst>
   <p:sldSz cx="12192000" cy="6858000"/>
   <p:notesSz cx="6858000" cy="9144000"/>
@@ -2955,7 +2957,7 @@
         </p:spPr>
         <p:txBody>
           <a:bodyPr anchor="b">
-            <a:normAutofit/>
+            <a:normAutofit fontScale="90000"/>
           </a:bodyPr>
           <a:lstStyle/>
           <a:p>
@@ -3000,7 +3002,7 @@
                 </a:solidFill>
                 <a:sym typeface="+mn-ea"/>
               </a:rPr>
-              <a:t>để Cải thiện Chỉ số Hiệu suất Chính </a:t>
+              <a:t>để Cải thiện Chỉ số Hiệu suất (KPI)</a:t>
             </a:r>
             <a:br>
               <a:rPr lang="vi-VN" altLang="en-US" sz="4100">
@@ -3018,6 +3020,23 @@
                 <a:sym typeface="+mn-ea"/>
               </a:rPr>
               <a:t>trong Chuỗi Cung ứng</a:t>
+            </a:r>
+            <a:br>
+              <a:rPr lang="vi-VN" altLang="en-US" sz="4100">
+                <a:solidFill>
+                  <a:schemeClr val="tx1"/>
+                </a:solidFill>
+                <a:sym typeface="+mn-ea"/>
+              </a:rPr>
+            </a:br>
+            <a:r>
+              <a:rPr lang="vi-VN" altLang="en-US" sz="4100">
+                <a:solidFill>
+                  <a:schemeClr val="tx1"/>
+                </a:solidFill>
+                <a:sym typeface="+mn-ea"/>
+              </a:rPr>
+              <a:t>Bài báo 2.15 </a:t>
             </a:r>
             <a:br>
               <a:rPr lang="vi-VN" altLang="en-US" sz="4100">
@@ -3836,7 +3855,7 @@
             </a:pPr>
             <a:r>
               <a:rPr lang="vi-VN" sz="1700"/>
-              <a:t>Sử dụng tập dữ liệu về GDP của Việt Nam.</a:t>
+              <a:t>Sử dụng tập dữ liệu về BCP dữ liệu thiết bị IoT của công ty làm dữ liệu.</a:t>
             </a:r>
             <a:endParaRPr lang="vi-VN" sz="1700"/>
           </a:p>
@@ -4160,14 +4179,7 @@
         <p:cNvGrpSpPr/>
         <p:nvPr/>
       </p:nvGrpSpPr>
-      <p:grpSpPr>
-        <a:xfrm>
-          <a:off x="0" y="0"/>
-          <a:ext cx="0" cy="0"/>
-          <a:chOff x="0" y="0"/>
-          <a:chExt cx="0" cy="0"/>
-        </a:xfrm>
-      </p:grpSpPr>
+      <p:grpSpPr/>
       <p:sp>
         <p:nvSpPr>
           <p:cNvPr id="2" name="Title 1"/>
@@ -4181,45 +4193,14 @@
         <p:spPr/>
         <p:txBody>
           <a:bodyPr/>
-          <a:lstStyle/>
-          <a:p>
-            <a:r>
-              <a:rPr lang="en-US" dirty="0" err="1"/>
-              <a:t>Phát</a:t>
-            </a:r>
-            <a:r>
-              <a:rPr lang="en-US" dirty="0"/>
-              <a:t> </a:t>
-            </a:r>
-            <a:r>
-              <a:rPr lang="en-US" dirty="0" err="1"/>
-              <a:t>triển</a:t>
-            </a:r>
-            <a:r>
-              <a:rPr lang="en-US" dirty="0"/>
-              <a:t> </a:t>
-            </a:r>
-            <a:r>
-              <a:rPr lang="en-US" dirty="0" err="1"/>
-              <a:t>từ</a:t>
-            </a:r>
-            <a:r>
-              <a:rPr lang="en-US" dirty="0"/>
-              <a:t> </a:t>
-            </a:r>
-            <a:r>
-              <a:rPr lang="en-US" dirty="0" err="1"/>
-              <a:t>bài</a:t>
-            </a:r>
-            <a:r>
-              <a:rPr lang="en-US" dirty="0"/>
-              <a:t> </a:t>
-            </a:r>
-            <a:r>
-              <a:rPr lang="en-US" dirty="0" err="1"/>
-              <a:t>báo</a:t>
-            </a:r>
-            <a:endParaRPr lang="en-US" dirty="0"/>
+          <a:p>
+            <a:r>
+              <a:rPr lang="en-US">
+                <a:sym typeface="+mn-ea"/>
+              </a:rPr>
+              <a:t>1. Hồi quy Logistic</a:t>
+            </a:r>
+            <a:endParaRPr lang="en-US"/>
           </a:p>
         </p:txBody>
       </p:sp>
@@ -4235,76 +4216,31 @@
         </p:nvSpPr>
         <p:spPr/>
         <p:txBody>
-          <a:bodyPr/>
-          <a:lstStyle/>
-          <a:p>
-            <a:pPr>
-              <a:buFont typeface="Arial" panose="020B0604020202090204" pitchFamily="34" charset="0"/>
-              <a:buChar char="•"/>
-            </a:pPr>
-            <a:r>
-              <a:rPr lang="vi-VN" b="1" dirty="0"/>
-              <a:t>Áp dụng trong các ngành công nghiệp khác:</a:t>
-            </a:r>
-            <a:endParaRPr lang="vi-VN" dirty="0"/>
-          </a:p>
-          <a:p>
-            <a:pPr marL="742950" lvl="1" indent="-285750">
-              <a:buFont typeface="Arial" panose="020B0604020202090204" pitchFamily="34" charset="0"/>
-              <a:buChar char="•"/>
-            </a:pPr>
-            <a:r>
-              <a:rPr lang="vi-VN" dirty="0"/>
-              <a:t>Sản xuất, dịch vụ, nông nghiệp.</a:t>
-            </a:r>
-            <a:endParaRPr lang="vi-VN" dirty="0"/>
-          </a:p>
-          <a:p>
-            <a:pPr>
-              <a:buFont typeface="Arial" panose="020B0604020202090204" pitchFamily="34" charset="0"/>
-              <a:buChar char="•"/>
-            </a:pPr>
-            <a:r>
-              <a:rPr lang="vi-VN" b="1" dirty="0"/>
-              <a:t>Mở rộng dữ liệu:</a:t>
-            </a:r>
-            <a:endParaRPr lang="vi-VN" dirty="0"/>
-          </a:p>
-          <a:p>
-            <a:pPr marL="742950" lvl="1" indent="-285750">
-              <a:buFont typeface="Arial" panose="020B0604020202090204" pitchFamily="34" charset="0"/>
-              <a:buChar char="•"/>
-            </a:pPr>
-            <a:r>
-              <a:rPr lang="vi-VN" dirty="0"/>
-              <a:t>Sử dụng thêm dữ liệu từ các nguồn khác nhau để tăng độ chính xác.</a:t>
-            </a:r>
-            <a:endParaRPr lang="vi-VN" dirty="0"/>
-          </a:p>
-          <a:p>
-            <a:pPr>
-              <a:buFont typeface="Arial" panose="020B0604020202090204" pitchFamily="34" charset="0"/>
-              <a:buChar char="•"/>
-            </a:pPr>
-            <a:r>
-              <a:rPr lang="vi-VN" b="1" dirty="0"/>
-              <a:t>Tích hợp thêm kỹ thuật học máy:</a:t>
-            </a:r>
-            <a:endParaRPr lang="vi-VN" dirty="0"/>
-          </a:p>
-          <a:p>
-            <a:pPr marL="742950" lvl="1" indent="-285750">
-              <a:buFont typeface="Arial" panose="020B0604020202090204" pitchFamily="34" charset="0"/>
-              <a:buChar char="•"/>
-            </a:pPr>
-            <a:r>
-              <a:rPr lang="vi-VN" dirty="0"/>
-              <a:t>Kết hợp thêm các kỹ thuật như Random Forest, Gradient Boosting để cải thiện hiệu suất.</a:t>
-            </a:r>
-            <a:endParaRPr lang="vi-VN" dirty="0"/>
-          </a:p>
-          <a:p>
-            <a:endParaRPr lang="en-US" dirty="0"/>
+          <a:bodyPr>
+            <a:normAutofit/>
+          </a:bodyPr>
+          <a:p>
+            <a:endParaRPr lang="en-US"/>
+          </a:p>
+          <a:p>
+            <a:r>
+              <a:rPr lang="en-US"/>
+              <a:t>Hồi quy Logistic là một phương pháp thống kê được sử dụng để dự đoán kết quả của một biến nhị phân (binary) dựa trên một hoặc nhiều biến độc lập (predictors). Độ phức tạp tính toán của thuật toán hồi quy Logistic phụ thuộc vào số lượng mẫu (n) và số lượng đặc trưng (p).</a:t>
+            </a:r>
+            <a:endParaRPr lang="en-US"/>
+          </a:p>
+          <a:p>
+            <a:r>
+              <a:rPr lang="en-US"/>
+              <a:t>Công thức tính hàm sigmod:</a:t>
+            </a:r>
+            <a:endParaRPr lang="en-US"/>
+          </a:p>
+          <a:p>
+            <a:endParaRPr lang="en-US"/>
+          </a:p>
+          <a:p>
+            <a:endParaRPr lang="en-US"/>
           </a:p>
         </p:txBody>
       </p:sp>
@@ -4317,6 +4253,215 @@
 </file>
 
 <file path=ppt/slides/slide5.xml><?xml version="1.0" encoding="utf-8"?>
+<p:sld xmlns:a="http://schemas.openxmlformats.org/drawingml/2006/main" xmlns:r="http://schemas.openxmlformats.org/officeDocument/2006/relationships" xmlns:p="http://schemas.openxmlformats.org/presentationml/2006/main">
+  <p:cSld>
+    <p:spTree>
+      <p:nvGrpSpPr>
+        <p:cNvPr id="1" name=""/>
+        <p:cNvGrpSpPr/>
+        <p:nvPr/>
+      </p:nvGrpSpPr>
+      <p:grpSpPr/>
+      <p:pic>
+        <p:nvPicPr>
+          <p:cNvPr id="4" name="Content Placeholder 3"/>
+          <p:cNvPicPr>
+            <a:picLocks noChangeAspect="1"/>
+          </p:cNvPicPr>
+          <p:nvPr>
+            <p:ph idx="1"/>
+          </p:nvPr>
+        </p:nvPicPr>
+        <p:blipFill>
+          <a:blip r:embed="rId1"/>
+          <a:stretch>
+            <a:fillRect/>
+          </a:stretch>
+        </p:blipFill>
+        <p:spPr>
+          <a:xfrm>
+            <a:off x="661035" y="86360"/>
+            <a:ext cx="9669780" cy="6090920"/>
+          </a:xfrm>
+          <a:prstGeom prst="rect">
+            <a:avLst/>
+          </a:prstGeom>
+        </p:spPr>
+      </p:pic>
+    </p:spTree>
+  </p:cSld>
+  <p:clrMapOvr>
+    <a:masterClrMapping/>
+  </p:clrMapOvr>
+</p:sld>
+</file>
+
+<file path=ppt/slides/slide6.xml><?xml version="1.0" encoding="utf-8"?>
+<p:sld xmlns:a="http://schemas.openxmlformats.org/drawingml/2006/main" xmlns:r="http://schemas.openxmlformats.org/officeDocument/2006/relationships" xmlns:p="http://schemas.openxmlformats.org/presentationml/2006/main">
+  <p:cSld>
+    <p:spTree>
+      <p:nvGrpSpPr>
+        <p:cNvPr id="1" name=""/>
+        <p:cNvGrpSpPr/>
+        <p:nvPr/>
+      </p:nvGrpSpPr>
+      <p:grpSpPr>
+        <a:xfrm>
+          <a:off x="0" y="0"/>
+          <a:ext cx="0" cy="0"/>
+          <a:chOff x="0" y="0"/>
+          <a:chExt cx="0" cy="0"/>
+        </a:xfrm>
+      </p:grpSpPr>
+      <p:sp>
+        <p:nvSpPr>
+          <p:cNvPr id="2" name="Title 1"/>
+          <p:cNvSpPr>
+            <a:spLocks noGrp="1"/>
+          </p:cNvSpPr>
+          <p:nvPr>
+            <p:ph type="title"/>
+          </p:nvPr>
+        </p:nvSpPr>
+        <p:spPr/>
+        <p:txBody>
+          <a:bodyPr/>
+          <a:lstStyle/>
+          <a:p>
+            <a:r>
+              <a:rPr lang="en-US" dirty="0" err="1"/>
+              <a:t>Phát</a:t>
+            </a:r>
+            <a:r>
+              <a:rPr lang="en-US" dirty="0"/>
+              <a:t> </a:t>
+            </a:r>
+            <a:r>
+              <a:rPr lang="en-US" dirty="0" err="1"/>
+              <a:t>triển</a:t>
+            </a:r>
+            <a:r>
+              <a:rPr lang="en-US" dirty="0"/>
+              <a:t> </a:t>
+            </a:r>
+            <a:r>
+              <a:rPr lang="en-US" dirty="0" err="1"/>
+              <a:t>từ</a:t>
+            </a:r>
+            <a:r>
+              <a:rPr lang="en-US" dirty="0"/>
+              <a:t> </a:t>
+            </a:r>
+            <a:r>
+              <a:rPr lang="en-US" dirty="0" err="1"/>
+              <a:t>bài</a:t>
+            </a:r>
+            <a:r>
+              <a:rPr lang="en-US" dirty="0"/>
+              <a:t> </a:t>
+            </a:r>
+            <a:r>
+              <a:rPr lang="en-US" dirty="0" err="1"/>
+              <a:t>báo</a:t>
+            </a:r>
+            <a:endParaRPr lang="en-US" dirty="0"/>
+          </a:p>
+        </p:txBody>
+      </p:sp>
+      <p:sp>
+        <p:nvSpPr>
+          <p:cNvPr id="3" name="Content Placeholder 2"/>
+          <p:cNvSpPr>
+            <a:spLocks noGrp="1"/>
+          </p:cNvSpPr>
+          <p:nvPr>
+            <p:ph idx="1"/>
+          </p:nvPr>
+        </p:nvSpPr>
+        <p:spPr/>
+        <p:txBody>
+          <a:bodyPr/>
+          <a:lstStyle/>
+          <a:p>
+            <a:pPr>
+              <a:buFont typeface="Arial" panose="020B0604020202090204" pitchFamily="34" charset="0"/>
+              <a:buChar char="•"/>
+            </a:pPr>
+            <a:r>
+              <a:rPr lang="vi-VN" b="1" dirty="0"/>
+              <a:t>Áp dụng trong các ngành công nghiệp khác:</a:t>
+            </a:r>
+            <a:endParaRPr lang="vi-VN" dirty="0"/>
+          </a:p>
+          <a:p>
+            <a:pPr marL="742950" lvl="1" indent="-285750">
+              <a:buFont typeface="Arial" panose="020B0604020202090204" pitchFamily="34" charset="0"/>
+              <a:buChar char="•"/>
+            </a:pPr>
+            <a:r>
+              <a:rPr lang="vi-VN" dirty="0"/>
+              <a:t>Sản xuất, dịch vụ, nông nghiệp.</a:t>
+            </a:r>
+            <a:endParaRPr lang="vi-VN" dirty="0"/>
+          </a:p>
+          <a:p>
+            <a:pPr>
+              <a:buFont typeface="Arial" panose="020B0604020202090204" pitchFamily="34" charset="0"/>
+              <a:buChar char="•"/>
+            </a:pPr>
+            <a:r>
+              <a:rPr lang="vi-VN" b="1" dirty="0"/>
+              <a:t>Mở rộng dữ liệu:</a:t>
+            </a:r>
+            <a:endParaRPr lang="vi-VN" dirty="0"/>
+          </a:p>
+          <a:p>
+            <a:pPr marL="742950" lvl="1" indent="-285750">
+              <a:buFont typeface="Arial" panose="020B0604020202090204" pitchFamily="34" charset="0"/>
+              <a:buChar char="•"/>
+            </a:pPr>
+            <a:r>
+              <a:rPr lang="vi-VN" dirty="0"/>
+              <a:t>Sử dụng thêm dữ liệu từ các nguồn khác nhau để tăng độ chính xác.</a:t>
+            </a:r>
+            <a:endParaRPr lang="vi-VN" dirty="0"/>
+          </a:p>
+          <a:p>
+            <a:pPr>
+              <a:buFont typeface="Arial" panose="020B0604020202090204" pitchFamily="34" charset="0"/>
+              <a:buChar char="•"/>
+            </a:pPr>
+            <a:r>
+              <a:rPr lang="vi-VN" b="1" dirty="0"/>
+              <a:t>Tích hợp thêm kỹ thuật học máy:</a:t>
+            </a:r>
+            <a:endParaRPr lang="vi-VN" dirty="0"/>
+          </a:p>
+          <a:p>
+            <a:pPr marL="742950" lvl="1" indent="-285750">
+              <a:buFont typeface="Arial" panose="020B0604020202090204" pitchFamily="34" charset="0"/>
+              <a:buChar char="•"/>
+            </a:pPr>
+            <a:r>
+              <a:rPr lang="vi-VN" dirty="0"/>
+              <a:t>Kết hợp thêm các kỹ thuật như Random Forest, Gradient Boosting để cải thiện hiệu suất.</a:t>
+            </a:r>
+            <a:endParaRPr lang="vi-VN" dirty="0"/>
+          </a:p>
+          <a:p>
+            <a:endParaRPr lang="en-US" dirty="0"/>
+          </a:p>
+        </p:txBody>
+      </p:sp>
+    </p:spTree>
+  </p:cSld>
+  <p:clrMapOvr>
+    <a:masterClrMapping/>
+  </p:clrMapOvr>
+</p:sld>
+</file>
+
+<file path=ppt/slides/slide7.xml><?xml version="1.0" encoding="utf-8"?>
 <p:sld xmlns:a="http://schemas.openxmlformats.org/drawingml/2006/main" xmlns:r="http://schemas.openxmlformats.org/officeDocument/2006/relationships" xmlns:p="http://schemas.openxmlformats.org/presentationml/2006/main">
   <p:cSld>
     <p:spTree>

--- a/lab/IS6404 -T7/ Đồ án cuối kỳ/Thuyết trình .pptx
+++ b/lab/IS6404 -T7/ Đồ án cuối kỳ/Thuyết trình .pptx
@@ -7,11 +7,13 @@
   <p:sldIdLst>
     <p:sldId id="256" r:id="rId3"/>
     <p:sldId id="257" r:id="rId4"/>
-    <p:sldId id="258" r:id="rId5"/>
-    <p:sldId id="261" r:id="rId6"/>
-    <p:sldId id="262" r:id="rId7"/>
-    <p:sldId id="259" r:id="rId8"/>
-    <p:sldId id="260" r:id="rId9"/>
+    <p:sldId id="265" r:id="rId5"/>
+    <p:sldId id="266" r:id="rId6"/>
+    <p:sldId id="258" r:id="rId7"/>
+    <p:sldId id="261" r:id="rId8"/>
+    <p:sldId id="262" r:id="rId9"/>
+    <p:sldId id="259" r:id="rId10"/>
+    <p:sldId id="260" r:id="rId11"/>
   </p:sldIdLst>
   <p:sldSz cx="12192000" cy="6858000"/>
   <p:notesSz cx="6858000" cy="9144000"/>
@@ -3947,14 +3949,7 @@
         <p:cNvGrpSpPr/>
         <p:nvPr/>
       </p:nvGrpSpPr>
-      <p:grpSpPr>
-        <a:xfrm>
-          <a:off x="0" y="0"/>
-          <a:ext cx="0" cy="0"/>
-          <a:chOff x="0" y="0"/>
-          <a:chExt cx="0" cy="0"/>
-        </a:xfrm>
-      </p:grpSpPr>
+      <p:grpSpPr/>
       <p:sp>
         <p:nvSpPr>
           <p:cNvPr id="2" name="Title 1"/>
@@ -3965,203 +3960,49 @@
             <p:ph type="title"/>
           </p:nvPr>
         </p:nvSpPr>
-        <p:spPr/>
-        <p:txBody>
-          <a:bodyPr/>
-          <a:lstStyle/>
-          <a:p>
-            <a:r>
-              <a:rPr lang="en-US" dirty="0" err="1"/>
-              <a:t>Đánh</a:t>
-            </a:r>
-            <a:r>
-              <a:rPr lang="en-US" dirty="0"/>
-              <a:t> </a:t>
-            </a:r>
-            <a:r>
-              <a:rPr lang="en-US" dirty="0" err="1"/>
-              <a:t>giá</a:t>
-            </a:r>
-            <a:r>
-              <a:rPr lang="en-US" dirty="0"/>
-              <a:t> </a:t>
-            </a:r>
-            <a:r>
-              <a:rPr lang="en-US" dirty="0" err="1"/>
-              <a:t>độ</a:t>
-            </a:r>
-            <a:r>
-              <a:rPr lang="en-US" dirty="0"/>
-              <a:t> </a:t>
-            </a:r>
-            <a:r>
-              <a:rPr lang="en-US" dirty="0" err="1"/>
-              <a:t>phức</a:t>
-            </a:r>
-            <a:r>
-              <a:rPr lang="en-US" dirty="0"/>
-              <a:t> </a:t>
-            </a:r>
-            <a:r>
-              <a:rPr lang="en-US" dirty="0" err="1"/>
-              <a:t>tạp</a:t>
-            </a:r>
-            <a:r>
-              <a:rPr lang="en-US" dirty="0"/>
-              <a:t> </a:t>
-            </a:r>
-            <a:r>
-              <a:rPr lang="en-US" dirty="0" err="1"/>
-              <a:t>thuật</a:t>
-            </a:r>
-            <a:r>
-              <a:rPr lang="en-US" dirty="0"/>
-              <a:t> </a:t>
-            </a:r>
-            <a:r>
-              <a:rPr lang="en-US" dirty="0" err="1"/>
-              <a:t>toán</a:t>
-            </a:r>
-            <a:r>
-              <a:rPr lang="en-US" dirty="0"/>
-              <a:t> </a:t>
-            </a:r>
-            <a:r>
-              <a:rPr lang="en-US" dirty="0" err="1"/>
-              <a:t>cài</a:t>
-            </a:r>
-            <a:r>
-              <a:rPr lang="en-US" dirty="0"/>
-              <a:t> </a:t>
-            </a:r>
-            <a:r>
-              <a:rPr lang="en-US" dirty="0" err="1"/>
-              <a:t>đặt</a:t>
-            </a:r>
-            <a:endParaRPr lang="en-US" dirty="0"/>
-          </a:p>
-        </p:txBody>
-      </p:sp>
-      <p:sp>
-        <p:nvSpPr>
-          <p:cNvPr id="3" name="Content Placeholder 2"/>
-          <p:cNvSpPr>
-            <a:spLocks noGrp="1"/>
-          </p:cNvSpPr>
+        <p:spPr>
+          <a:xfrm>
+            <a:off x="1324610" y="230505"/>
+            <a:ext cx="10515600" cy="1325563"/>
+          </a:xfrm>
+        </p:spPr>
+        <p:txBody>
+          <a:bodyPr/>
+          <a:p>
+            <a:r>
+              <a:rPr lang="vi-VN" altLang="en-US"/>
+              <a:t>Dữ liệu từ IoT của công ty</a:t>
+            </a:r>
+            <a:endParaRPr lang="vi-VN" altLang="en-US"/>
+          </a:p>
+        </p:txBody>
+      </p:sp>
+      <p:pic>
+        <p:nvPicPr>
+          <p:cNvPr id="4" name="Content Placeholder 3"/>
+          <p:cNvPicPr>
+            <a:picLocks noChangeAspect="1"/>
+          </p:cNvPicPr>
           <p:nvPr>
             <p:ph idx="1"/>
           </p:nvPr>
-        </p:nvSpPr>
-        <p:spPr/>
-        <p:txBody>
-          <a:bodyPr>
-            <a:normAutofit/>
-          </a:bodyPr>
-          <a:lstStyle/>
-          <a:p>
-            <a:pPr>
-              <a:buFont typeface="Arial" panose="020B0604020202090204" pitchFamily="34" charset="0"/>
-              <a:buChar char="•"/>
-            </a:pPr>
-            <a:r>
-              <a:rPr lang="vi-VN" b="1" dirty="0"/>
-              <a:t>Hồi quy Logistic:</a:t>
-            </a:r>
-            <a:endParaRPr lang="vi-VN" b="1" dirty="0"/>
-          </a:p>
-          <a:p>
-            <a:pPr lvl="1">
-              <a:buFont typeface="Wingdings" panose="05000000000000000000" pitchFamily="2" charset="2"/>
-              <a:buChar char="Ø"/>
-            </a:pPr>
-            <a:r>
-              <a:rPr lang="vi-VN" dirty="0"/>
-              <a:t>Độ phức tạp thời gian: O(n * p)</a:t>
-            </a:r>
-            <a:endParaRPr lang="vi-VN" dirty="0"/>
-          </a:p>
-          <a:p>
-            <a:pPr lvl="1">
-              <a:buFont typeface="Wingdings" panose="05000000000000000000" pitchFamily="2" charset="2"/>
-              <a:buChar char="Ø"/>
-            </a:pPr>
-            <a:r>
-              <a:rPr lang="vi-VN" dirty="0"/>
-              <a:t>n: số lượng mẫu, p: số lượng đặc trưng.</a:t>
-            </a:r>
-            <a:endParaRPr lang="vi-VN" dirty="0"/>
-          </a:p>
-          <a:p>
-            <a:pPr>
-              <a:buFont typeface="Arial" panose="020B0604020202090204" pitchFamily="34" charset="0"/>
-              <a:buChar char="•"/>
-            </a:pPr>
-            <a:r>
-              <a:rPr lang="vi-VN" b="1" dirty="0"/>
-              <a:t>Mạng Neural (MLP):</a:t>
-            </a:r>
-            <a:endParaRPr lang="vi-VN" b="1" dirty="0"/>
-          </a:p>
-          <a:p>
-            <a:pPr lvl="1">
-              <a:buFont typeface="Wingdings" panose="05000000000000000000" pitchFamily="2" charset="2"/>
-              <a:buChar char="Ø"/>
-            </a:pPr>
-            <a:r>
-              <a:rPr lang="vi-VN" dirty="0"/>
-              <a:t>Độ phức tạp thời gian: O(n * m * l)</a:t>
-            </a:r>
-            <a:endParaRPr lang="vi-VN" dirty="0"/>
-          </a:p>
-          <a:p>
-            <a:pPr lvl="1">
-              <a:buFont typeface="Wingdings" panose="05000000000000000000" pitchFamily="2" charset="2"/>
-              <a:buChar char="Ø"/>
-            </a:pPr>
-            <a:r>
-              <a:rPr lang="vi-VN" dirty="0"/>
-              <a:t>n: số lượng mẫu, m: số lượng neuron trong lớp ẩn, l: số lượng lớp.</a:t>
-            </a:r>
-            <a:endParaRPr lang="vi-VN" dirty="0"/>
-          </a:p>
-          <a:p>
-            <a:pPr>
-              <a:buFont typeface="Arial" panose="020B0604020202090204" pitchFamily="34" charset="0"/>
-              <a:buChar char="•"/>
-            </a:pPr>
-            <a:r>
-              <a:rPr lang="vi-VN" b="1" dirty="0"/>
-              <a:t>Mô hình lai:</a:t>
-            </a:r>
-            <a:endParaRPr lang="vi-VN" b="1" dirty="0"/>
-          </a:p>
-          <a:p>
-            <a:pPr lvl="1">
-              <a:buFont typeface="Wingdings" panose="05000000000000000000" pitchFamily="2" charset="2"/>
-              <a:buChar char="Ø"/>
-            </a:pPr>
-            <a:r>
-              <a:rPr lang="vi-VN" dirty="0"/>
-              <a:t>Độ phức tạp thời gian: O(n * (p + m * l))</a:t>
-            </a:r>
-            <a:endParaRPr lang="vi-VN" dirty="0"/>
-          </a:p>
-          <a:p>
-            <a:pPr lvl="1">
-              <a:buFont typeface="Wingdings" panose="05000000000000000000" pitchFamily="2" charset="2"/>
-              <a:buChar char="Ø"/>
-            </a:pPr>
-            <a:r>
-              <a:rPr lang="vi-VN" dirty="0"/>
-              <a:t>Kết hợp độ phức tạp của cả hai mô hình trên.</a:t>
-            </a:r>
-            <a:endParaRPr lang="vi-VN" dirty="0"/>
-          </a:p>
-          <a:p>
-            <a:endParaRPr lang="en-US" dirty="0"/>
-          </a:p>
-        </p:txBody>
-      </p:sp>
+        </p:nvPicPr>
+        <p:blipFill>
+          <a:blip r:embed="rId1"/>
+          <a:stretch>
+            <a:fillRect/>
+          </a:stretch>
+        </p:blipFill>
+        <p:spPr>
+          <a:xfrm>
+            <a:off x="1324610" y="1327150"/>
+            <a:ext cx="9226550" cy="4413885"/>
+          </a:xfrm>
+          <a:prstGeom prst="rect">
+            <a:avLst/>
+          </a:prstGeom>
+        </p:spPr>
+      </p:pic>
     </p:spTree>
   </p:cSld>
   <p:clrMapOvr>
@@ -4192,58 +4033,44 @@
         </p:nvSpPr>
         <p:spPr/>
         <p:txBody>
-          <a:bodyPr/>
-          <a:p>
-            <a:r>
-              <a:rPr lang="en-US">
-                <a:sym typeface="+mn-ea"/>
-              </a:rPr>
-              <a:t>1. Hồi quy Logistic</a:t>
-            </a:r>
-            <a:endParaRPr lang="en-US"/>
-          </a:p>
-        </p:txBody>
-      </p:sp>
-      <p:sp>
-        <p:nvSpPr>
-          <p:cNvPr id="3" name="Content Placeholder 2"/>
-          <p:cNvSpPr>
-            <a:spLocks noGrp="1"/>
-          </p:cNvSpPr>
+          <a:bodyPr>
+            <a:normAutofit fontScale="90000"/>
+          </a:bodyPr>
+          <a:p>
+            <a:r>
+              <a:rPr lang="vi-VN" altLang="en-US"/>
+              <a:t>Dữ liệu dự báo sau khi chạy Logistic và Neural Network</a:t>
+            </a:r>
+            <a:endParaRPr lang="vi-VN" altLang="en-US"/>
+          </a:p>
+        </p:txBody>
+      </p:sp>
+      <p:pic>
+        <p:nvPicPr>
+          <p:cNvPr id="4" name="Content Placeholder 3"/>
+          <p:cNvPicPr>
+            <a:picLocks noChangeAspect="1"/>
+          </p:cNvPicPr>
           <p:nvPr>
             <p:ph idx="1"/>
           </p:nvPr>
-        </p:nvSpPr>
-        <p:spPr/>
-        <p:txBody>
-          <a:bodyPr>
-            <a:normAutofit/>
-          </a:bodyPr>
-          <a:p>
-            <a:endParaRPr lang="en-US"/>
-          </a:p>
-          <a:p>
-            <a:r>
-              <a:rPr lang="en-US"/>
-              <a:t>Hồi quy Logistic là một phương pháp thống kê được sử dụng để dự đoán kết quả của một biến nhị phân (binary) dựa trên một hoặc nhiều biến độc lập (predictors). Độ phức tạp tính toán của thuật toán hồi quy Logistic phụ thuộc vào số lượng mẫu (n) và số lượng đặc trưng (p).</a:t>
-            </a:r>
-            <a:endParaRPr lang="en-US"/>
-          </a:p>
-          <a:p>
-            <a:r>
-              <a:rPr lang="en-US"/>
-              <a:t>Công thức tính hàm sigmod:</a:t>
-            </a:r>
-            <a:endParaRPr lang="en-US"/>
-          </a:p>
-          <a:p>
-            <a:endParaRPr lang="en-US"/>
-          </a:p>
-          <a:p>
-            <a:endParaRPr lang="en-US"/>
-          </a:p>
-        </p:txBody>
-      </p:sp>
+        </p:nvPicPr>
+        <p:blipFill>
+          <a:blip r:embed="rId1"/>
+          <a:stretch>
+            <a:fillRect/>
+          </a:stretch>
+        </p:blipFill>
+        <p:spPr>
+          <a:xfrm>
+            <a:off x="1325245" y="1837690"/>
+            <a:ext cx="9166225" cy="4339590"/>
+          </a:xfrm>
+          <a:prstGeom prst="rect">
+            <a:avLst/>
+          </a:prstGeom>
+        </p:spPr>
+      </p:pic>
     </p:spTree>
   </p:cSld>
   <p:clrMapOvr>
@@ -4253,6 +4080,320 @@
 </file>
 
 <file path=ppt/slides/slide5.xml><?xml version="1.0" encoding="utf-8"?>
+<p:sld xmlns:a="http://schemas.openxmlformats.org/drawingml/2006/main" xmlns:r="http://schemas.openxmlformats.org/officeDocument/2006/relationships" xmlns:p="http://schemas.openxmlformats.org/presentationml/2006/main">
+  <p:cSld>
+    <p:spTree>
+      <p:nvGrpSpPr>
+        <p:cNvPr id="1" name=""/>
+        <p:cNvGrpSpPr/>
+        <p:nvPr/>
+      </p:nvGrpSpPr>
+      <p:grpSpPr>
+        <a:xfrm>
+          <a:off x="0" y="0"/>
+          <a:ext cx="0" cy="0"/>
+          <a:chOff x="0" y="0"/>
+          <a:chExt cx="0" cy="0"/>
+        </a:xfrm>
+      </p:grpSpPr>
+      <p:sp>
+        <p:nvSpPr>
+          <p:cNvPr id="2" name="Title 1"/>
+          <p:cNvSpPr>
+            <a:spLocks noGrp="1"/>
+          </p:cNvSpPr>
+          <p:nvPr>
+            <p:ph type="title"/>
+          </p:nvPr>
+        </p:nvSpPr>
+        <p:spPr/>
+        <p:txBody>
+          <a:bodyPr/>
+          <a:lstStyle/>
+          <a:p>
+            <a:r>
+              <a:rPr lang="en-US" dirty="0" err="1"/>
+              <a:t>Đánh</a:t>
+            </a:r>
+            <a:r>
+              <a:rPr lang="en-US" dirty="0"/>
+              <a:t> </a:t>
+            </a:r>
+            <a:r>
+              <a:rPr lang="en-US" dirty="0" err="1"/>
+              <a:t>giá</a:t>
+            </a:r>
+            <a:r>
+              <a:rPr lang="en-US" dirty="0"/>
+              <a:t> </a:t>
+            </a:r>
+            <a:r>
+              <a:rPr lang="en-US" dirty="0" err="1"/>
+              <a:t>độ</a:t>
+            </a:r>
+            <a:r>
+              <a:rPr lang="en-US" dirty="0"/>
+              <a:t> </a:t>
+            </a:r>
+            <a:r>
+              <a:rPr lang="en-US" dirty="0" err="1"/>
+              <a:t>phức</a:t>
+            </a:r>
+            <a:r>
+              <a:rPr lang="en-US" dirty="0"/>
+              <a:t> </a:t>
+            </a:r>
+            <a:r>
+              <a:rPr lang="en-US" dirty="0" err="1"/>
+              <a:t>tạp</a:t>
+            </a:r>
+            <a:r>
+              <a:rPr lang="en-US" dirty="0"/>
+              <a:t> </a:t>
+            </a:r>
+            <a:r>
+              <a:rPr lang="en-US" dirty="0" err="1"/>
+              <a:t>thuật</a:t>
+            </a:r>
+            <a:r>
+              <a:rPr lang="en-US" dirty="0"/>
+              <a:t> </a:t>
+            </a:r>
+            <a:r>
+              <a:rPr lang="en-US" dirty="0" err="1"/>
+              <a:t>toán</a:t>
+            </a:r>
+            <a:r>
+              <a:rPr lang="en-US" dirty="0"/>
+              <a:t> </a:t>
+            </a:r>
+            <a:r>
+              <a:rPr lang="en-US" dirty="0" err="1"/>
+              <a:t>cài</a:t>
+            </a:r>
+            <a:r>
+              <a:rPr lang="en-US" dirty="0"/>
+              <a:t> </a:t>
+            </a:r>
+            <a:r>
+              <a:rPr lang="en-US" dirty="0" err="1"/>
+              <a:t>đặt</a:t>
+            </a:r>
+            <a:endParaRPr lang="en-US" dirty="0"/>
+          </a:p>
+        </p:txBody>
+      </p:sp>
+      <p:sp>
+        <p:nvSpPr>
+          <p:cNvPr id="3" name="Content Placeholder 2"/>
+          <p:cNvSpPr>
+            <a:spLocks noGrp="1"/>
+          </p:cNvSpPr>
+          <p:nvPr>
+            <p:ph idx="1"/>
+          </p:nvPr>
+        </p:nvSpPr>
+        <p:spPr/>
+        <p:txBody>
+          <a:bodyPr>
+            <a:normAutofit/>
+          </a:bodyPr>
+          <a:lstStyle/>
+          <a:p>
+            <a:pPr>
+              <a:buFont typeface="Arial" panose="020B0604020202090204" pitchFamily="34" charset="0"/>
+              <a:buChar char="•"/>
+            </a:pPr>
+            <a:r>
+              <a:rPr lang="vi-VN" b="1" dirty="0"/>
+              <a:t>Hồi quy Logistic:</a:t>
+            </a:r>
+            <a:endParaRPr lang="vi-VN" b="1" dirty="0"/>
+          </a:p>
+          <a:p>
+            <a:pPr lvl="1">
+              <a:buFont typeface="Wingdings" panose="05000000000000000000" pitchFamily="2" charset="2"/>
+              <a:buChar char="Ø"/>
+            </a:pPr>
+            <a:r>
+              <a:rPr lang="vi-VN" dirty="0"/>
+              <a:t>Độ phức tạp thời gian: O(n * p)</a:t>
+            </a:r>
+            <a:endParaRPr lang="vi-VN" dirty="0"/>
+          </a:p>
+          <a:p>
+            <a:pPr lvl="1">
+              <a:buFont typeface="Wingdings" panose="05000000000000000000" pitchFamily="2" charset="2"/>
+              <a:buChar char="Ø"/>
+            </a:pPr>
+            <a:r>
+              <a:rPr lang="vi-VN" dirty="0"/>
+              <a:t>n: số lượng mẫu, p: số lượng đặc trưng.</a:t>
+            </a:r>
+            <a:endParaRPr lang="vi-VN" dirty="0"/>
+          </a:p>
+          <a:p>
+            <a:pPr>
+              <a:buFont typeface="Arial" panose="020B0604020202090204" pitchFamily="34" charset="0"/>
+              <a:buChar char="•"/>
+            </a:pPr>
+            <a:r>
+              <a:rPr lang="vi-VN" b="1" dirty="0"/>
+              <a:t>Mạng Neural (MLP):</a:t>
+            </a:r>
+            <a:endParaRPr lang="vi-VN" b="1" dirty="0"/>
+          </a:p>
+          <a:p>
+            <a:pPr lvl="1">
+              <a:buFont typeface="Wingdings" panose="05000000000000000000" pitchFamily="2" charset="2"/>
+              <a:buChar char="Ø"/>
+            </a:pPr>
+            <a:r>
+              <a:rPr lang="vi-VN" dirty="0"/>
+              <a:t>Độ phức tạp thời gian: O(n * m * l)</a:t>
+            </a:r>
+            <a:endParaRPr lang="vi-VN" dirty="0"/>
+          </a:p>
+          <a:p>
+            <a:pPr lvl="1">
+              <a:buFont typeface="Wingdings" panose="05000000000000000000" pitchFamily="2" charset="2"/>
+              <a:buChar char="Ø"/>
+            </a:pPr>
+            <a:r>
+              <a:rPr lang="vi-VN" dirty="0"/>
+              <a:t>n: số lượng mẫu, m: số lượng neuron trong lớp ẩn, l: số lượng lớp.</a:t>
+            </a:r>
+            <a:endParaRPr lang="vi-VN" dirty="0"/>
+          </a:p>
+          <a:p>
+            <a:pPr>
+              <a:buFont typeface="Arial" panose="020B0604020202090204" pitchFamily="34" charset="0"/>
+              <a:buChar char="•"/>
+            </a:pPr>
+            <a:r>
+              <a:rPr lang="vi-VN" b="1" dirty="0"/>
+              <a:t>Mô hình lai:</a:t>
+            </a:r>
+            <a:endParaRPr lang="vi-VN" b="1" dirty="0"/>
+          </a:p>
+          <a:p>
+            <a:pPr lvl="1">
+              <a:buFont typeface="Wingdings" panose="05000000000000000000" pitchFamily="2" charset="2"/>
+              <a:buChar char="Ø"/>
+            </a:pPr>
+            <a:r>
+              <a:rPr lang="vi-VN" dirty="0"/>
+              <a:t>Độ phức tạp thời gian: O(n * (p + m * l))</a:t>
+            </a:r>
+            <a:endParaRPr lang="vi-VN" dirty="0"/>
+          </a:p>
+          <a:p>
+            <a:pPr lvl="1">
+              <a:buFont typeface="Wingdings" panose="05000000000000000000" pitchFamily="2" charset="2"/>
+              <a:buChar char="Ø"/>
+            </a:pPr>
+            <a:r>
+              <a:rPr lang="vi-VN" dirty="0"/>
+              <a:t>Kết hợp độ phức tạp của cả hai mô hình trên.</a:t>
+            </a:r>
+            <a:endParaRPr lang="vi-VN" dirty="0"/>
+          </a:p>
+          <a:p>
+            <a:endParaRPr lang="en-US" dirty="0"/>
+          </a:p>
+        </p:txBody>
+      </p:sp>
+    </p:spTree>
+  </p:cSld>
+  <p:clrMapOvr>
+    <a:masterClrMapping/>
+  </p:clrMapOvr>
+</p:sld>
+</file>
+
+<file path=ppt/slides/slide6.xml><?xml version="1.0" encoding="utf-8"?>
+<p:sld xmlns:a="http://schemas.openxmlformats.org/drawingml/2006/main" xmlns:r="http://schemas.openxmlformats.org/officeDocument/2006/relationships" xmlns:p="http://schemas.openxmlformats.org/presentationml/2006/main">
+  <p:cSld>
+    <p:spTree>
+      <p:nvGrpSpPr>
+        <p:cNvPr id="1" name=""/>
+        <p:cNvGrpSpPr/>
+        <p:nvPr/>
+      </p:nvGrpSpPr>
+      <p:grpSpPr/>
+      <p:sp>
+        <p:nvSpPr>
+          <p:cNvPr id="2" name="Title 1"/>
+          <p:cNvSpPr>
+            <a:spLocks noGrp="1"/>
+          </p:cNvSpPr>
+          <p:nvPr>
+            <p:ph type="title"/>
+          </p:nvPr>
+        </p:nvSpPr>
+        <p:spPr/>
+        <p:txBody>
+          <a:bodyPr/>
+          <a:p>
+            <a:r>
+              <a:rPr lang="en-US">
+                <a:sym typeface="+mn-ea"/>
+              </a:rPr>
+              <a:t>1. Hồi quy Logistic</a:t>
+            </a:r>
+            <a:endParaRPr lang="en-US"/>
+          </a:p>
+        </p:txBody>
+      </p:sp>
+      <p:sp>
+        <p:nvSpPr>
+          <p:cNvPr id="3" name="Content Placeholder 2"/>
+          <p:cNvSpPr>
+            <a:spLocks noGrp="1"/>
+          </p:cNvSpPr>
+          <p:nvPr>
+            <p:ph idx="1"/>
+          </p:nvPr>
+        </p:nvSpPr>
+        <p:spPr/>
+        <p:txBody>
+          <a:bodyPr>
+            <a:normAutofit/>
+          </a:bodyPr>
+          <a:p>
+            <a:endParaRPr lang="en-US"/>
+          </a:p>
+          <a:p>
+            <a:r>
+              <a:rPr lang="en-US"/>
+              <a:t>Hồi quy Logistic là một phương pháp thống kê được sử dụng để dự đoán kết quả của một biến nhị phân (binary) dựa trên một hoặc nhiều biến độc lập (predictors). Độ phức tạp tính toán của thuật toán hồi quy Logistic phụ thuộc vào số lượng mẫu (n) và số lượng đặc trưng (p).</a:t>
+            </a:r>
+            <a:endParaRPr lang="en-US"/>
+          </a:p>
+          <a:p>
+            <a:r>
+              <a:rPr lang="en-US"/>
+              <a:t>Công thức tính hàm sigmod:</a:t>
+            </a:r>
+            <a:endParaRPr lang="en-US"/>
+          </a:p>
+          <a:p>
+            <a:endParaRPr lang="en-US"/>
+          </a:p>
+          <a:p>
+            <a:endParaRPr lang="en-US"/>
+          </a:p>
+        </p:txBody>
+      </p:sp>
+    </p:spTree>
+  </p:cSld>
+  <p:clrMapOvr>
+    <a:masterClrMapping/>
+  </p:clrMapOvr>
+</p:sld>
+</file>
+
+<file path=ppt/slides/slide7.xml><?xml version="1.0" encoding="utf-8"?>
 <p:sld xmlns:a="http://schemas.openxmlformats.org/drawingml/2006/main" xmlns:r="http://schemas.openxmlformats.org/officeDocument/2006/relationships" xmlns:p="http://schemas.openxmlformats.org/presentationml/2006/main">
   <p:cSld>
     <p:spTree>
@@ -4296,7 +4437,7 @@
 </p:sld>
 </file>
 
-<file path=ppt/slides/slide6.xml><?xml version="1.0" encoding="utf-8"?>
+<file path=ppt/slides/slide8.xml><?xml version="1.0" encoding="utf-8"?>
 <p:sld xmlns:a="http://schemas.openxmlformats.org/drawingml/2006/main" xmlns:r="http://schemas.openxmlformats.org/officeDocument/2006/relationships" xmlns:p="http://schemas.openxmlformats.org/presentationml/2006/main">
   <p:cSld>
     <p:spTree>
@@ -4461,7 +4602,7 @@
 </p:sld>
 </file>
 
-<file path=ppt/slides/slide7.xml><?xml version="1.0" encoding="utf-8"?>
+<file path=ppt/slides/slide9.xml><?xml version="1.0" encoding="utf-8"?>
 <p:sld xmlns:a="http://schemas.openxmlformats.org/drawingml/2006/main" xmlns:r="http://schemas.openxmlformats.org/officeDocument/2006/relationships" xmlns:p="http://schemas.openxmlformats.org/presentationml/2006/main">
   <p:cSld>
     <p:spTree>
